--- a/Slides/Topic 1 What is ML.pptx
+++ b/Slides/Topic 1 What is ML.pptx
@@ -16,15 +16,16 @@
     <p:sldId id="269" r:id="rId10"/>
     <p:sldId id="282" r:id="rId11"/>
     <p:sldId id="270" r:id="rId12"/>
-    <p:sldId id="272" r:id="rId13"/>
-    <p:sldId id="284" r:id="rId14"/>
-    <p:sldId id="267" r:id="rId15"/>
-    <p:sldId id="271" r:id="rId16"/>
-    <p:sldId id="273" r:id="rId17"/>
-    <p:sldId id="275" r:id="rId18"/>
-    <p:sldId id="283" r:id="rId19"/>
-    <p:sldId id="276" r:id="rId20"/>
-    <p:sldId id="277" r:id="rId21"/>
+    <p:sldId id="285" r:id="rId13"/>
+    <p:sldId id="272" r:id="rId14"/>
+    <p:sldId id="284" r:id="rId15"/>
+    <p:sldId id="267" r:id="rId16"/>
+    <p:sldId id="271" r:id="rId17"/>
+    <p:sldId id="273" r:id="rId18"/>
+    <p:sldId id="275" r:id="rId19"/>
+    <p:sldId id="283" r:id="rId20"/>
+    <p:sldId id="276" r:id="rId21"/>
+    <p:sldId id="277" r:id="rId22"/>
   </p:sldIdLst>
   <p:sldSz cx="12192000" cy="6858000"/>
   <p:notesSz cx="6858000" cy="9144000"/>
@@ -142,6 +143,14 @@
 </p:presentation>
 </file>
 
+<file path=ppt/revisionInfo.xml><?xml version="1.0" encoding="utf-8"?>
+<p1510:revInfo xmlns:a="http://schemas.openxmlformats.org/drawingml/2006/main" xmlns:r="http://schemas.openxmlformats.org/officeDocument/2006/relationships" xmlns:p1510="http://schemas.microsoft.com/office/powerpoint/2015/10/main">
+  <p1510:revLst>
+    <p1510:client id="{0F41E1BC-6E98-44EC-BBF0-FFD512BC8FCF}" v="51" dt="2025-10-21T10:31:47.603"/>
+  </p1510:revLst>
+</p1510:revInfo>
+</file>
+
 <file path=ppt/changesInfos/changesInfo1.xml><?xml version="1.0" encoding="utf-8"?>
 <pc:chgInfo xmlns:a="http://schemas.openxmlformats.org/drawingml/2006/main" xmlns:r="http://schemas.openxmlformats.org/officeDocument/2006/relationships" xmlns:ac="http://schemas.microsoft.com/office/drawing/2013/main/command" xmlns:pc="http://schemas.microsoft.com/office/powerpoint/2013/main/command">
   <pc:docChgLst>
@@ -157,8 +166,123 @@
           <pc:docMk/>
           <pc:sldMk cId="2616250411" sldId="275"/>
         </pc:sldMkLst>
+      </pc:sldChg>
+      <pc:sldChg chg="modSp mod">
+        <pc:chgData name="Javier Bas Vicente" userId="96bf8a96-3310-496c-8c7e-8a087f977faa" providerId="ADAL" clId="{E8FBC8B5-4C40-46BF-9D71-F1AE583FC5BE}" dt="2024-10-19T16:57:22.744" v="1" actId="20577"/>
+        <pc:sldMkLst>
+          <pc:docMk/>
+          <pc:sldMk cId="2149080833" sldId="278"/>
+        </pc:sldMkLst>
+      </pc:sldChg>
+    </pc:docChg>
+  </pc:docChgLst>
+  <pc:docChgLst>
+    <pc:chgData name="Javier Bas Vicente" userId="96bf8a96-3310-496c-8c7e-8a087f977faa" providerId="ADAL" clId="{01F37B28-FECE-485C-BA1B-E2D29CFD8DE6}"/>
+    <pc:docChg chg="undo redo custSel addSld delSld modSld">
+      <pc:chgData name="Javier Bas Vicente" userId="96bf8a96-3310-496c-8c7e-8a087f977faa" providerId="ADAL" clId="{01F37B28-FECE-485C-BA1B-E2D29CFD8DE6}" dt="2025-10-21T10:33:59.087" v="581" actId="20577"/>
+      <pc:docMkLst>
+        <pc:docMk/>
+      </pc:docMkLst>
+      <pc:sldChg chg="modSp mod">
+        <pc:chgData name="Javier Bas Vicente" userId="96bf8a96-3310-496c-8c7e-8a087f977faa" providerId="ADAL" clId="{01F37B28-FECE-485C-BA1B-E2D29CFD8DE6}" dt="2025-10-21T10:13:15.013" v="456" actId="2711"/>
+        <pc:sldMkLst>
+          <pc:docMk/>
+          <pc:sldMk cId="4236828119" sldId="267"/>
+        </pc:sldMkLst>
         <pc:spChg chg="mod">
-          <ac:chgData name="Javier Bas Vicente" userId="96bf8a96-3310-496c-8c7e-8a087f977faa" providerId="ADAL" clId="{E8FBC8B5-4C40-46BF-9D71-F1AE583FC5BE}" dt="2024-10-28T12:03:16.273" v="62" actId="20577"/>
+          <ac:chgData name="Javier Bas Vicente" userId="96bf8a96-3310-496c-8c7e-8a087f977faa" providerId="ADAL" clId="{01F37B28-FECE-485C-BA1B-E2D29CFD8DE6}" dt="2025-10-21T10:13:15.013" v="456" actId="2711"/>
+          <ac:spMkLst>
+            <pc:docMk/>
+            <pc:sldMk cId="4236828119" sldId="267"/>
+            <ac:spMk id="3" creationId="{7035E4AA-6F11-BAE1-CC1D-242A88A33FB9}"/>
+          </ac:spMkLst>
+        </pc:spChg>
+      </pc:sldChg>
+      <pc:sldChg chg="addSp delSp modSp mod">
+        <pc:chgData name="Javier Bas Vicente" userId="96bf8a96-3310-496c-8c7e-8a087f977faa" providerId="ADAL" clId="{01F37B28-FECE-485C-BA1B-E2D29CFD8DE6}" dt="2025-10-21T09:49:42.641" v="264" actId="115"/>
+        <pc:sldMkLst>
+          <pc:docMk/>
+          <pc:sldMk cId="2924134329" sldId="270"/>
+        </pc:sldMkLst>
+        <pc:spChg chg="mod">
+          <ac:chgData name="Javier Bas Vicente" userId="96bf8a96-3310-496c-8c7e-8a087f977faa" providerId="ADAL" clId="{01F37B28-FECE-485C-BA1B-E2D29CFD8DE6}" dt="2025-10-21T09:49:42.641" v="264" actId="115"/>
+          <ac:spMkLst>
+            <pc:docMk/>
+            <pc:sldMk cId="2924134329" sldId="270"/>
+            <ac:spMk id="3" creationId="{7035E4AA-6F11-BAE1-CC1D-242A88A33FB9}"/>
+          </ac:spMkLst>
+        </pc:spChg>
+        <pc:spChg chg="del">
+          <ac:chgData name="Javier Bas Vicente" userId="96bf8a96-3310-496c-8c7e-8a087f977faa" providerId="ADAL" clId="{01F37B28-FECE-485C-BA1B-E2D29CFD8DE6}" dt="2025-10-21T09:48:34.423" v="221" actId="21"/>
+          <ac:spMkLst>
+            <pc:docMk/>
+            <pc:sldMk cId="2924134329" sldId="270"/>
+            <ac:spMk id="6" creationId="{F32F8EC8-25C4-3FB6-7489-E3CBB7EB387B}"/>
+          </ac:spMkLst>
+        </pc:spChg>
+        <pc:spChg chg="del">
+          <ac:chgData name="Javier Bas Vicente" userId="96bf8a96-3310-496c-8c7e-8a087f977faa" providerId="ADAL" clId="{01F37B28-FECE-485C-BA1B-E2D29CFD8DE6}" dt="2025-10-21T09:48:34.423" v="221" actId="21"/>
+          <ac:spMkLst>
+            <pc:docMk/>
+            <pc:sldMk cId="2924134329" sldId="270"/>
+            <ac:spMk id="9" creationId="{39C1E5C8-F096-886F-8668-60C815859EA9}"/>
+          </ac:spMkLst>
+        </pc:spChg>
+        <pc:picChg chg="add del">
+          <ac:chgData name="Javier Bas Vicente" userId="96bf8a96-3310-496c-8c7e-8a087f977faa" providerId="ADAL" clId="{01F37B28-FECE-485C-BA1B-E2D29CFD8DE6}" dt="2025-10-21T09:45:53.268" v="87" actId="478"/>
+          <ac:picMkLst>
+            <pc:docMk/>
+            <pc:sldMk cId="2924134329" sldId="270"/>
+            <ac:picMk id="11" creationId="{8890E8D0-5773-F99C-1AC2-F84980A00AD4}"/>
+          </ac:picMkLst>
+        </pc:picChg>
+        <pc:picChg chg="add del">
+          <ac:chgData name="Javier Bas Vicente" userId="96bf8a96-3310-496c-8c7e-8a087f977faa" providerId="ADAL" clId="{01F37B28-FECE-485C-BA1B-E2D29CFD8DE6}" dt="2025-10-21T09:45:53.268" v="87" actId="478"/>
+          <ac:picMkLst>
+            <pc:docMk/>
+            <pc:sldMk cId="2924134329" sldId="270"/>
+            <ac:picMk id="12" creationId="{CCE56775-F6CE-3DD7-FE2D-2418769A2E21}"/>
+          </ac:picMkLst>
+        </pc:picChg>
+      </pc:sldChg>
+      <pc:sldChg chg="modSp mod">
+        <pc:chgData name="Javier Bas Vicente" userId="96bf8a96-3310-496c-8c7e-8a087f977faa" providerId="ADAL" clId="{01F37B28-FECE-485C-BA1B-E2D29CFD8DE6}" dt="2025-10-21T10:13:38.723" v="462" actId="20577"/>
+        <pc:sldMkLst>
+          <pc:docMk/>
+          <pc:sldMk cId="397702210" sldId="271"/>
+        </pc:sldMkLst>
+        <pc:spChg chg="mod">
+          <ac:chgData name="Javier Bas Vicente" userId="96bf8a96-3310-496c-8c7e-8a087f977faa" providerId="ADAL" clId="{01F37B28-FECE-485C-BA1B-E2D29CFD8DE6}" dt="2025-10-21T10:13:38.723" v="462" actId="20577"/>
+          <ac:spMkLst>
+            <pc:docMk/>
+            <pc:sldMk cId="397702210" sldId="271"/>
+            <ac:spMk id="3" creationId="{7035E4AA-6F11-BAE1-CC1D-242A88A33FB9}"/>
+          </ac:spMkLst>
+        </pc:spChg>
+      </pc:sldChg>
+      <pc:sldChg chg="modSp mod">
+        <pc:chgData name="Javier Bas Vicente" userId="96bf8a96-3310-496c-8c7e-8a087f977faa" providerId="ADAL" clId="{01F37B28-FECE-485C-BA1B-E2D29CFD8DE6}" dt="2025-10-21T10:27:48.189" v="480" actId="20577"/>
+        <pc:sldMkLst>
+          <pc:docMk/>
+          <pc:sldMk cId="363219939" sldId="273"/>
+        </pc:sldMkLst>
+        <pc:spChg chg="mod">
+          <ac:chgData name="Javier Bas Vicente" userId="96bf8a96-3310-496c-8c7e-8a087f977faa" providerId="ADAL" clId="{01F37B28-FECE-485C-BA1B-E2D29CFD8DE6}" dt="2025-10-21T10:27:48.189" v="480" actId="20577"/>
+          <ac:spMkLst>
+            <pc:docMk/>
+            <pc:sldMk cId="363219939" sldId="273"/>
+            <ac:spMk id="3" creationId="{7035E4AA-6F11-BAE1-CC1D-242A88A33FB9}"/>
+          </ac:spMkLst>
+        </pc:spChg>
+      </pc:sldChg>
+      <pc:sldChg chg="modSp mod">
+        <pc:chgData name="Javier Bas Vicente" userId="96bf8a96-3310-496c-8c7e-8a087f977faa" providerId="ADAL" clId="{01F37B28-FECE-485C-BA1B-E2D29CFD8DE6}" dt="2025-10-21T10:29:34.693" v="509" actId="113"/>
+        <pc:sldMkLst>
+          <pc:docMk/>
+          <pc:sldMk cId="2616250411" sldId="275"/>
+        </pc:sldMkLst>
+        <pc:spChg chg="mod">
+          <ac:chgData name="Javier Bas Vicente" userId="96bf8a96-3310-496c-8c7e-8a087f977faa" providerId="ADAL" clId="{01F37B28-FECE-485C-BA1B-E2D29CFD8DE6}" dt="2025-10-21T10:29:34.693" v="509" actId="113"/>
           <ac:spMkLst>
             <pc:docMk/>
             <pc:sldMk cId="2616250411" sldId="275"/>
@@ -166,20 +290,128 @@
           </ac:spMkLst>
         </pc:spChg>
       </pc:sldChg>
-      <pc:sldChg chg="modSp mod">
-        <pc:chgData name="Javier Bas Vicente" userId="96bf8a96-3310-496c-8c7e-8a087f977faa" providerId="ADAL" clId="{E8FBC8B5-4C40-46BF-9D71-F1AE583FC5BE}" dt="2024-10-19T16:57:22.744" v="1" actId="20577"/>
+      <pc:sldChg chg="modSp modAnim">
+        <pc:chgData name="Javier Bas Vicente" userId="96bf8a96-3310-496c-8c7e-8a087f977faa" providerId="ADAL" clId="{01F37B28-FECE-485C-BA1B-E2D29CFD8DE6}" dt="2025-10-21T10:31:47.603" v="547" actId="20577"/>
         <pc:sldMkLst>
           <pc:docMk/>
-          <pc:sldMk cId="2149080833" sldId="278"/>
+          <pc:sldMk cId="2067030574" sldId="276"/>
         </pc:sldMkLst>
         <pc:spChg chg="mod">
-          <ac:chgData name="Javier Bas Vicente" userId="96bf8a96-3310-496c-8c7e-8a087f977faa" providerId="ADAL" clId="{E8FBC8B5-4C40-46BF-9D71-F1AE583FC5BE}" dt="2024-10-19T16:57:22.744" v="1" actId="20577"/>
+          <ac:chgData name="Javier Bas Vicente" userId="96bf8a96-3310-496c-8c7e-8a087f977faa" providerId="ADAL" clId="{01F37B28-FECE-485C-BA1B-E2D29CFD8DE6}" dt="2025-10-21T10:31:47.603" v="547" actId="20577"/>
           <ac:spMkLst>
             <pc:docMk/>
-            <pc:sldMk cId="2149080833" sldId="278"/>
-            <ac:spMk id="3" creationId="{6866AA87-E000-52D2-F65D-4B414B00BBE5}"/>
+            <pc:sldMk cId="2067030574" sldId="276"/>
+            <ac:spMk id="3" creationId="{7035E4AA-6F11-BAE1-CC1D-242A88A33FB9}"/>
           </ac:spMkLst>
         </pc:spChg>
+      </pc:sldChg>
+      <pc:sldChg chg="modSp mod">
+        <pc:chgData name="Javier Bas Vicente" userId="96bf8a96-3310-496c-8c7e-8a087f977faa" providerId="ADAL" clId="{01F37B28-FECE-485C-BA1B-E2D29CFD8DE6}" dt="2025-10-21T10:33:59.087" v="581" actId="20577"/>
+        <pc:sldMkLst>
+          <pc:docMk/>
+          <pc:sldMk cId="1559458376" sldId="277"/>
+        </pc:sldMkLst>
+        <pc:spChg chg="mod">
+          <ac:chgData name="Javier Bas Vicente" userId="96bf8a96-3310-496c-8c7e-8a087f977faa" providerId="ADAL" clId="{01F37B28-FECE-485C-BA1B-E2D29CFD8DE6}" dt="2025-10-21T10:33:59.087" v="581" actId="20577"/>
+          <ac:spMkLst>
+            <pc:docMk/>
+            <pc:sldMk cId="1559458376" sldId="277"/>
+            <ac:spMk id="3" creationId="{7035E4AA-6F11-BAE1-CC1D-242A88A33FB9}"/>
+          </ac:spMkLst>
+        </pc:spChg>
+      </pc:sldChg>
+      <pc:sldChg chg="modSp mod">
+        <pc:chgData name="Javier Bas Vicente" userId="96bf8a96-3310-496c-8c7e-8a087f977faa" providerId="ADAL" clId="{01F37B28-FECE-485C-BA1B-E2D29CFD8DE6}" dt="2025-10-21T09:42:41.805" v="2" actId="6549"/>
+        <pc:sldMkLst>
+          <pc:docMk/>
+          <pc:sldMk cId="941714419" sldId="282"/>
+        </pc:sldMkLst>
+        <pc:spChg chg="mod">
+          <ac:chgData name="Javier Bas Vicente" userId="96bf8a96-3310-496c-8c7e-8a087f977faa" providerId="ADAL" clId="{01F37B28-FECE-485C-BA1B-E2D29CFD8DE6}" dt="2025-10-21T09:42:41.805" v="2" actId="6549"/>
+          <ac:spMkLst>
+            <pc:docMk/>
+            <pc:sldMk cId="941714419" sldId="282"/>
+            <ac:spMk id="3" creationId="{180631EB-DE96-9FA0-145F-1211D8DA1F14}"/>
+          </ac:spMkLst>
+        </pc:spChg>
+      </pc:sldChg>
+      <pc:sldChg chg="addSp modSp new del">
+        <pc:chgData name="Javier Bas Vicente" userId="96bf8a96-3310-496c-8c7e-8a087f977faa" providerId="ADAL" clId="{01F37B28-FECE-485C-BA1B-E2D29CFD8DE6}" dt="2025-10-21T09:45:46.193" v="84" actId="680"/>
+        <pc:sldMkLst>
+          <pc:docMk/>
+          <pc:sldMk cId="2677739759" sldId="285"/>
+        </pc:sldMkLst>
+        <pc:picChg chg="add mod">
+          <ac:chgData name="Javier Bas Vicente" userId="96bf8a96-3310-496c-8c7e-8a087f977faa" providerId="ADAL" clId="{01F37B28-FECE-485C-BA1B-E2D29CFD8DE6}" dt="2025-10-21T09:45:42.209" v="83"/>
+          <ac:picMkLst>
+            <pc:docMk/>
+            <pc:sldMk cId="2677739759" sldId="285"/>
+            <ac:picMk id="11" creationId="{8890E8D0-5773-F99C-1AC2-F84980A00AD4}"/>
+          </ac:picMkLst>
+        </pc:picChg>
+        <pc:picChg chg="add mod">
+          <ac:chgData name="Javier Bas Vicente" userId="96bf8a96-3310-496c-8c7e-8a087f977faa" providerId="ADAL" clId="{01F37B28-FECE-485C-BA1B-E2D29CFD8DE6}" dt="2025-10-21T09:45:42.209" v="83"/>
+          <ac:picMkLst>
+            <pc:docMk/>
+            <pc:sldMk cId="2677739759" sldId="285"/>
+            <ac:picMk id="12" creationId="{CCE56775-F6CE-3DD7-FE2D-2418769A2E21}"/>
+          </ac:picMkLst>
+        </pc:picChg>
+      </pc:sldChg>
+      <pc:sldChg chg="addSp delSp modSp add mod">
+        <pc:chgData name="Javier Bas Vicente" userId="96bf8a96-3310-496c-8c7e-8a087f977faa" providerId="ADAL" clId="{01F37B28-FECE-485C-BA1B-E2D29CFD8DE6}" dt="2025-10-21T09:49:58.725" v="337" actId="1035"/>
+        <pc:sldMkLst>
+          <pc:docMk/>
+          <pc:sldMk cId="4231152004" sldId="285"/>
+        </pc:sldMkLst>
+        <pc:spChg chg="del">
+          <ac:chgData name="Javier Bas Vicente" userId="96bf8a96-3310-496c-8c7e-8a087f977faa" providerId="ADAL" clId="{01F37B28-FECE-485C-BA1B-E2D29CFD8DE6}" dt="2025-10-21T09:45:56.038" v="88" actId="478"/>
+          <ac:spMkLst>
+            <pc:docMk/>
+            <pc:sldMk cId="4231152004" sldId="285"/>
+            <ac:spMk id="3" creationId="{428FCE57-A9C4-35EE-075D-D8B772003F79}"/>
+          </ac:spMkLst>
+        </pc:spChg>
+        <pc:spChg chg="add del mod">
+          <ac:chgData name="Javier Bas Vicente" userId="96bf8a96-3310-496c-8c7e-8a087f977faa" providerId="ADAL" clId="{01F37B28-FECE-485C-BA1B-E2D29CFD8DE6}" dt="2025-10-21T09:45:59.907" v="89" actId="478"/>
+          <ac:spMkLst>
+            <pc:docMk/>
+            <pc:sldMk cId="4231152004" sldId="285"/>
+            <ac:spMk id="5" creationId="{E5E2D22F-1AA2-BB0A-CCAA-E5646920761B}"/>
+          </ac:spMkLst>
+        </pc:spChg>
+        <pc:spChg chg="mod">
+          <ac:chgData name="Javier Bas Vicente" userId="96bf8a96-3310-496c-8c7e-8a087f977faa" providerId="ADAL" clId="{01F37B28-FECE-485C-BA1B-E2D29CFD8DE6}" dt="2025-10-21T09:49:58.725" v="337" actId="1035"/>
+          <ac:spMkLst>
+            <pc:docMk/>
+            <pc:sldMk cId="4231152004" sldId="285"/>
+            <ac:spMk id="6" creationId="{01463823-C860-F1E6-EC8A-60182ABA5243}"/>
+          </ac:spMkLst>
+        </pc:spChg>
+        <pc:spChg chg="mod">
+          <ac:chgData name="Javier Bas Vicente" userId="96bf8a96-3310-496c-8c7e-8a087f977faa" providerId="ADAL" clId="{01F37B28-FECE-485C-BA1B-E2D29CFD8DE6}" dt="2025-10-21T09:49:58.725" v="337" actId="1035"/>
+          <ac:spMkLst>
+            <pc:docMk/>
+            <pc:sldMk cId="4231152004" sldId="285"/>
+            <ac:spMk id="9" creationId="{B5E083B5-5414-DAFE-33F5-EF138A018A48}"/>
+          </ac:spMkLst>
+        </pc:spChg>
+        <pc:picChg chg="mod">
+          <ac:chgData name="Javier Bas Vicente" userId="96bf8a96-3310-496c-8c7e-8a087f977faa" providerId="ADAL" clId="{01F37B28-FECE-485C-BA1B-E2D29CFD8DE6}" dt="2025-10-21T09:46:18.585" v="142" actId="14100"/>
+          <ac:picMkLst>
+            <pc:docMk/>
+            <pc:sldMk cId="4231152004" sldId="285"/>
+            <ac:picMk id="11" creationId="{C3D4D570-5CCD-B470-4EDD-EB6BE5ABDDD5}"/>
+          </ac:picMkLst>
+        </pc:picChg>
+        <pc:picChg chg="mod">
+          <ac:chgData name="Javier Bas Vicente" userId="96bf8a96-3310-496c-8c7e-8a087f977faa" providerId="ADAL" clId="{01F37B28-FECE-485C-BA1B-E2D29CFD8DE6}" dt="2025-10-21T09:46:18.585" v="142" actId="14100"/>
+          <ac:picMkLst>
+            <pc:docMk/>
+            <pc:sldMk cId="4231152004" sldId="285"/>
+            <ac:picMk id="12" creationId="{3E4C51D1-528F-BA29-2736-1313684852DE}"/>
+          </ac:picMkLst>
+        </pc:picChg>
       </pc:sldChg>
     </pc:docChg>
   </pc:docChgLst>
@@ -196,14 +428,6 @@
           <pc:docMk/>
           <pc:sldMk cId="4236828119" sldId="267"/>
         </pc:sldMkLst>
-        <pc:spChg chg="mod">
-          <ac:chgData name="Javier Bas Vicente" userId="96bf8a96-3310-496c-8c7e-8a087f977faa" providerId="ADAL" clId="{F8F14039-D26C-478B-A3B6-430B35B74BC5}" dt="2023-10-19T14:57:22.507" v="134" actId="20577"/>
-          <ac:spMkLst>
-            <pc:docMk/>
-            <pc:sldMk cId="4236828119" sldId="267"/>
-            <ac:spMk id="3" creationId="{7035E4AA-6F11-BAE1-CC1D-242A88A33FB9}"/>
-          </ac:spMkLst>
-        </pc:spChg>
       </pc:sldChg>
       <pc:sldChg chg="modSp mod">
         <pc:chgData name="Javier Bas Vicente" userId="96bf8a96-3310-496c-8c7e-8a087f977faa" providerId="ADAL" clId="{F8F14039-D26C-478B-A3B6-430B35B74BC5}" dt="2023-10-19T12:42:24.146" v="42" actId="27636"/>
@@ -211,14 +435,6 @@
           <pc:docMk/>
           <pc:sldMk cId="3465997888" sldId="268"/>
         </pc:sldMkLst>
-        <pc:spChg chg="mod">
-          <ac:chgData name="Javier Bas Vicente" userId="96bf8a96-3310-496c-8c7e-8a087f977faa" providerId="ADAL" clId="{F8F14039-D26C-478B-A3B6-430B35B74BC5}" dt="2023-10-19T12:42:24.146" v="42" actId="27636"/>
-          <ac:spMkLst>
-            <pc:docMk/>
-            <pc:sldMk cId="3465997888" sldId="268"/>
-            <ac:spMk id="3" creationId="{180631EB-DE96-9FA0-145F-1211D8DA1F14}"/>
-          </ac:spMkLst>
-        </pc:spChg>
       </pc:sldChg>
       <pc:sldChg chg="modSp mod">
         <pc:chgData name="Javier Bas Vicente" userId="96bf8a96-3310-496c-8c7e-8a087f977faa" providerId="ADAL" clId="{F8F14039-D26C-478B-A3B6-430B35B74BC5}" dt="2023-10-19T12:44:01.879" v="54" actId="115"/>
@@ -226,14 +442,6 @@
           <pc:docMk/>
           <pc:sldMk cId="2509727003" sldId="269"/>
         </pc:sldMkLst>
-        <pc:spChg chg="mod">
-          <ac:chgData name="Javier Bas Vicente" userId="96bf8a96-3310-496c-8c7e-8a087f977faa" providerId="ADAL" clId="{F8F14039-D26C-478B-A3B6-430B35B74BC5}" dt="2023-10-19T12:44:01.879" v="54" actId="115"/>
-          <ac:spMkLst>
-            <pc:docMk/>
-            <pc:sldMk cId="2509727003" sldId="269"/>
-            <ac:spMk id="3" creationId="{180631EB-DE96-9FA0-145F-1211D8DA1F14}"/>
-          </ac:spMkLst>
-        </pc:spChg>
       </pc:sldChg>
       <pc:sldChg chg="modSp mod">
         <pc:chgData name="Javier Bas Vicente" userId="96bf8a96-3310-496c-8c7e-8a087f977faa" providerId="ADAL" clId="{F8F14039-D26C-478B-A3B6-430B35B74BC5}" dt="2023-10-19T14:58:31.311" v="188" actId="20577"/>
@@ -241,14 +449,6 @@
           <pc:docMk/>
           <pc:sldMk cId="397702210" sldId="271"/>
         </pc:sldMkLst>
-        <pc:spChg chg="mod">
-          <ac:chgData name="Javier Bas Vicente" userId="96bf8a96-3310-496c-8c7e-8a087f977faa" providerId="ADAL" clId="{F8F14039-D26C-478B-A3B6-430B35B74BC5}" dt="2023-10-19T14:58:31.311" v="188" actId="20577"/>
-          <ac:spMkLst>
-            <pc:docMk/>
-            <pc:sldMk cId="397702210" sldId="271"/>
-            <ac:spMk id="3" creationId="{7035E4AA-6F11-BAE1-CC1D-242A88A33FB9}"/>
-          </ac:spMkLst>
-        </pc:spChg>
       </pc:sldChg>
       <pc:sldChg chg="modSp mod">
         <pc:chgData name="Javier Bas Vicente" userId="96bf8a96-3310-496c-8c7e-8a087f977faa" providerId="ADAL" clId="{F8F14039-D26C-478B-A3B6-430B35B74BC5}" dt="2023-10-19T12:47:55.622" v="123" actId="20577"/>
@@ -256,14 +456,6 @@
           <pc:docMk/>
           <pc:sldMk cId="3363976930" sldId="272"/>
         </pc:sldMkLst>
-        <pc:spChg chg="mod">
-          <ac:chgData name="Javier Bas Vicente" userId="96bf8a96-3310-496c-8c7e-8a087f977faa" providerId="ADAL" clId="{F8F14039-D26C-478B-A3B6-430B35B74BC5}" dt="2023-10-19T12:47:55.622" v="123" actId="20577"/>
-          <ac:spMkLst>
-            <pc:docMk/>
-            <pc:sldMk cId="3363976930" sldId="272"/>
-            <ac:spMk id="11" creationId="{9DC8F8AF-3059-79CC-CD66-FE68DE599343}"/>
-          </ac:spMkLst>
-        </pc:spChg>
       </pc:sldChg>
       <pc:sldChg chg="modSp mod">
         <pc:chgData name="Javier Bas Vicente" userId="96bf8a96-3310-496c-8c7e-8a087f977faa" providerId="ADAL" clId="{F8F14039-D26C-478B-A3B6-430B35B74BC5}" dt="2023-10-20T16:30:50.075" v="626" actId="313"/>
@@ -271,14 +463,6 @@
           <pc:docMk/>
           <pc:sldMk cId="363219939" sldId="273"/>
         </pc:sldMkLst>
-        <pc:spChg chg="mod">
-          <ac:chgData name="Javier Bas Vicente" userId="96bf8a96-3310-496c-8c7e-8a087f977faa" providerId="ADAL" clId="{F8F14039-D26C-478B-A3B6-430B35B74BC5}" dt="2023-10-20T16:30:50.075" v="626" actId="313"/>
-          <ac:spMkLst>
-            <pc:docMk/>
-            <pc:sldMk cId="363219939" sldId="273"/>
-            <ac:spMk id="3" creationId="{7035E4AA-6F11-BAE1-CC1D-242A88A33FB9}"/>
-          </ac:spMkLst>
-        </pc:spChg>
       </pc:sldChg>
       <pc:sldChg chg="addSp delSp modSp mod">
         <pc:chgData name="Javier Bas Vicente" userId="96bf8a96-3310-496c-8c7e-8a087f977faa" providerId="ADAL" clId="{F8F14039-D26C-478B-A3B6-430B35B74BC5}" dt="2023-10-20T16:32:06.259" v="628" actId="22"/>
@@ -286,22 +470,6 @@
           <pc:docMk/>
           <pc:sldMk cId="2616250411" sldId="275"/>
         </pc:sldMkLst>
-        <pc:spChg chg="mod">
-          <ac:chgData name="Javier Bas Vicente" userId="96bf8a96-3310-496c-8c7e-8a087f977faa" providerId="ADAL" clId="{F8F14039-D26C-478B-A3B6-430B35B74BC5}" dt="2023-10-19T15:08:15.485" v="611" actId="5793"/>
-          <ac:spMkLst>
-            <pc:docMk/>
-            <pc:sldMk cId="2616250411" sldId="275"/>
-            <ac:spMk id="3" creationId="{7035E4AA-6F11-BAE1-CC1D-242A88A33FB9}"/>
-          </ac:spMkLst>
-        </pc:spChg>
-        <pc:spChg chg="add del">
-          <ac:chgData name="Javier Bas Vicente" userId="96bf8a96-3310-496c-8c7e-8a087f977faa" providerId="ADAL" clId="{F8F14039-D26C-478B-A3B6-430B35B74BC5}" dt="2023-10-20T16:32:06.259" v="628" actId="22"/>
-          <ac:spMkLst>
-            <pc:docMk/>
-            <pc:sldMk cId="2616250411" sldId="275"/>
-            <ac:spMk id="8" creationId="{082149E6-2EB1-DDB9-E147-08E89605DCC7}"/>
-          </ac:spMkLst>
-        </pc:spChg>
       </pc:sldChg>
       <pc:sldChg chg="modSp mod">
         <pc:chgData name="Javier Bas Vicente" userId="96bf8a96-3310-496c-8c7e-8a087f977faa" providerId="ADAL" clId="{F8F14039-D26C-478B-A3B6-430B35B74BC5}" dt="2023-10-19T15:09:26.575" v="620" actId="313"/>
@@ -309,14 +477,6 @@
           <pc:docMk/>
           <pc:sldMk cId="1559458376" sldId="277"/>
         </pc:sldMkLst>
-        <pc:spChg chg="mod">
-          <ac:chgData name="Javier Bas Vicente" userId="96bf8a96-3310-496c-8c7e-8a087f977faa" providerId="ADAL" clId="{F8F14039-D26C-478B-A3B6-430B35B74BC5}" dt="2023-10-19T15:09:26.575" v="620" actId="313"/>
-          <ac:spMkLst>
-            <pc:docMk/>
-            <pc:sldMk cId="1559458376" sldId="277"/>
-            <ac:spMk id="3" creationId="{7035E4AA-6F11-BAE1-CC1D-242A88A33FB9}"/>
-          </ac:spMkLst>
-        </pc:spChg>
       </pc:sldChg>
       <pc:sldChg chg="modSp mod">
         <pc:chgData name="Javier Bas Vicente" userId="96bf8a96-3310-496c-8c7e-8a087f977faa" providerId="ADAL" clId="{F8F14039-D26C-478B-A3B6-430B35B74BC5}" dt="2023-10-19T12:40:05.591" v="3" actId="20577"/>
@@ -324,14 +484,6 @@
           <pc:docMk/>
           <pc:sldMk cId="2149080833" sldId="278"/>
         </pc:sldMkLst>
-        <pc:spChg chg="mod">
-          <ac:chgData name="Javier Bas Vicente" userId="96bf8a96-3310-496c-8c7e-8a087f977faa" providerId="ADAL" clId="{F8F14039-D26C-478B-A3B6-430B35B74BC5}" dt="2023-10-19T12:40:05.591" v="3" actId="20577"/>
-          <ac:spMkLst>
-            <pc:docMk/>
-            <pc:sldMk cId="2149080833" sldId="278"/>
-            <ac:spMk id="3" creationId="{6866AA87-E000-52D2-F65D-4B414B00BBE5}"/>
-          </ac:spMkLst>
-        </pc:spChg>
       </pc:sldChg>
       <pc:sldChg chg="modSp mod">
         <pc:chgData name="Javier Bas Vicente" userId="96bf8a96-3310-496c-8c7e-8a087f977faa" providerId="ADAL" clId="{F8F14039-D26C-478B-A3B6-430B35B74BC5}" dt="2023-10-19T12:40:48.884" v="27" actId="20577"/>
@@ -339,14 +491,6 @@
           <pc:docMk/>
           <pc:sldMk cId="2034630669" sldId="280"/>
         </pc:sldMkLst>
-        <pc:spChg chg="mod">
-          <ac:chgData name="Javier Bas Vicente" userId="96bf8a96-3310-496c-8c7e-8a087f977faa" providerId="ADAL" clId="{F8F14039-D26C-478B-A3B6-430B35B74BC5}" dt="2023-10-19T12:40:48.884" v="27" actId="20577"/>
-          <ac:spMkLst>
-            <pc:docMk/>
-            <pc:sldMk cId="2034630669" sldId="280"/>
-            <ac:spMk id="3" creationId="{B73165B8-6446-D9C4-EC8C-EDBC59631C39}"/>
-          </ac:spMkLst>
-        </pc:spChg>
       </pc:sldChg>
       <pc:sldChg chg="modSp mod">
         <pc:chgData name="Javier Bas Vicente" userId="96bf8a96-3310-496c-8c7e-8a087f977faa" providerId="ADAL" clId="{F8F14039-D26C-478B-A3B6-430B35B74BC5}" dt="2023-10-19T12:41:24.394" v="40" actId="27636"/>
@@ -354,14 +498,6 @@
           <pc:docMk/>
           <pc:sldMk cId="3514338654" sldId="281"/>
         </pc:sldMkLst>
-        <pc:spChg chg="mod">
-          <ac:chgData name="Javier Bas Vicente" userId="96bf8a96-3310-496c-8c7e-8a087f977faa" providerId="ADAL" clId="{F8F14039-D26C-478B-A3B6-430B35B74BC5}" dt="2023-10-19T12:41:24.394" v="40" actId="27636"/>
-          <ac:spMkLst>
-            <pc:docMk/>
-            <pc:sldMk cId="3514338654" sldId="281"/>
-            <ac:spMk id="3" creationId="{B73165B8-6446-D9C4-EC8C-EDBC59631C39}"/>
-          </ac:spMkLst>
-        </pc:spChg>
       </pc:sldChg>
       <pc:sldChg chg="modSp mod">
         <pc:chgData name="Javier Bas Vicente" userId="96bf8a96-3310-496c-8c7e-8a087f977faa" providerId="ADAL" clId="{F8F14039-D26C-478B-A3B6-430B35B74BC5}" dt="2023-10-19T12:45:03.658" v="118" actId="20577"/>
@@ -369,14 +505,6 @@
           <pc:docMk/>
           <pc:sldMk cId="941714419" sldId="282"/>
         </pc:sldMkLst>
-        <pc:spChg chg="mod">
-          <ac:chgData name="Javier Bas Vicente" userId="96bf8a96-3310-496c-8c7e-8a087f977faa" providerId="ADAL" clId="{F8F14039-D26C-478B-A3B6-430B35B74BC5}" dt="2023-10-19T12:45:03.658" v="118" actId="20577"/>
-          <ac:spMkLst>
-            <pc:docMk/>
-            <pc:sldMk cId="941714419" sldId="282"/>
-            <ac:spMk id="3" creationId="{180631EB-DE96-9FA0-145F-1211D8DA1F14}"/>
-          </ac:spMkLst>
-        </pc:spChg>
       </pc:sldChg>
       <pc:sldChg chg="modSp add del mod">
         <pc:chgData name="Javier Bas Vicente" userId="96bf8a96-3310-496c-8c7e-8a087f977faa" providerId="ADAL" clId="{F8F14039-D26C-478B-A3B6-430B35B74BC5}" dt="2023-10-19T15:07:43.785" v="600" actId="47"/>
@@ -384,14 +512,6 @@
           <pc:docMk/>
           <pc:sldMk cId="607542005" sldId="283"/>
         </pc:sldMkLst>
-        <pc:spChg chg="mod">
-          <ac:chgData name="Javier Bas Vicente" userId="96bf8a96-3310-496c-8c7e-8a087f977faa" providerId="ADAL" clId="{F8F14039-D26C-478B-A3B6-430B35B74BC5}" dt="2023-10-19T15:06:46.061" v="599" actId="20577"/>
-          <ac:spMkLst>
-            <pc:docMk/>
-            <pc:sldMk cId="607542005" sldId="283"/>
-            <ac:spMk id="3" creationId="{7035E4AA-6F11-BAE1-CC1D-242A88A33FB9}"/>
-          </ac:spMkLst>
-        </pc:spChg>
       </pc:sldChg>
       <pc:sldChg chg="addSp modSp add mod">
         <pc:chgData name="Javier Bas Vicente" userId="96bf8a96-3310-496c-8c7e-8a087f977faa" providerId="ADAL" clId="{F8F14039-D26C-478B-A3B6-430B35B74BC5}" dt="2023-10-20T16:42:21.664" v="745" actId="1076"/>
@@ -399,22 +519,6 @@
           <pc:docMk/>
           <pc:sldMk cId="2486130316" sldId="283"/>
         </pc:sldMkLst>
-        <pc:spChg chg="mod">
-          <ac:chgData name="Javier Bas Vicente" userId="96bf8a96-3310-496c-8c7e-8a087f977faa" providerId="ADAL" clId="{F8F14039-D26C-478B-A3B6-430B35B74BC5}" dt="2023-10-20T16:32:25.044" v="689" actId="20577"/>
-          <ac:spMkLst>
-            <pc:docMk/>
-            <pc:sldMk cId="2486130316" sldId="283"/>
-            <ac:spMk id="3" creationId="{7035E4AA-6F11-BAE1-CC1D-242A88A33FB9}"/>
-          </ac:spMkLst>
-        </pc:spChg>
-        <pc:picChg chg="add mod">
-          <ac:chgData name="Javier Bas Vicente" userId="96bf8a96-3310-496c-8c7e-8a087f977faa" providerId="ADAL" clId="{F8F14039-D26C-478B-A3B6-430B35B74BC5}" dt="2023-10-20T16:42:21.664" v="745" actId="1076"/>
-          <ac:picMkLst>
-            <pc:docMk/>
-            <pc:sldMk cId="2486130316" sldId="283"/>
-            <ac:picMk id="8" creationId="{FD52F510-0239-0B53-03EE-845B2631F465}"/>
-          </ac:picMkLst>
-        </pc:picChg>
       </pc:sldChg>
       <pc:sldChg chg="addSp delSp modSp add mod">
         <pc:chgData name="Javier Bas Vicente" userId="96bf8a96-3310-496c-8c7e-8a087f977faa" providerId="ADAL" clId="{F8F14039-D26C-478B-A3B6-430B35B74BC5}" dt="2023-10-20T16:41:36.259" v="712" actId="1036"/>
@@ -422,46 +526,6 @@
           <pc:docMk/>
           <pc:sldMk cId="1253646022" sldId="284"/>
         </pc:sldMkLst>
-        <pc:spChg chg="mod">
-          <ac:chgData name="Javier Bas Vicente" userId="96bf8a96-3310-496c-8c7e-8a087f977faa" providerId="ADAL" clId="{F8F14039-D26C-478B-A3B6-430B35B74BC5}" dt="2023-10-20T16:40:01.034" v="691"/>
-          <ac:spMkLst>
-            <pc:docMk/>
-            <pc:sldMk cId="1253646022" sldId="284"/>
-            <ac:spMk id="2" creationId="{F140273F-00A5-2CDE-5EC1-05720B283B27}"/>
-          </ac:spMkLst>
-        </pc:spChg>
-        <pc:spChg chg="del">
-          <ac:chgData name="Javier Bas Vicente" userId="96bf8a96-3310-496c-8c7e-8a087f977faa" providerId="ADAL" clId="{F8F14039-D26C-478B-A3B6-430B35B74BC5}" dt="2023-10-20T16:40:04.809" v="692" actId="478"/>
-          <ac:spMkLst>
-            <pc:docMk/>
-            <pc:sldMk cId="1253646022" sldId="284"/>
-            <ac:spMk id="3" creationId="{7035E4AA-6F11-BAE1-CC1D-242A88A33FB9}"/>
-          </ac:spMkLst>
-        </pc:spChg>
-        <pc:spChg chg="add del mod">
-          <ac:chgData name="Javier Bas Vicente" userId="96bf8a96-3310-496c-8c7e-8a087f977faa" providerId="ADAL" clId="{F8F14039-D26C-478B-A3B6-430B35B74BC5}" dt="2023-10-20T16:40:06.348" v="693" actId="478"/>
-          <ac:spMkLst>
-            <pc:docMk/>
-            <pc:sldMk cId="1253646022" sldId="284"/>
-            <ac:spMk id="8" creationId="{23453BCB-4561-72ED-92D2-6786420DB975}"/>
-          </ac:spMkLst>
-        </pc:spChg>
-        <pc:spChg chg="add del mod">
-          <ac:chgData name="Javier Bas Vicente" userId="96bf8a96-3310-496c-8c7e-8a087f977faa" providerId="ADAL" clId="{F8F14039-D26C-478B-A3B6-430B35B74BC5}" dt="2023-10-20T16:41:20.064" v="697" actId="22"/>
-          <ac:spMkLst>
-            <pc:docMk/>
-            <pc:sldMk cId="1253646022" sldId="284"/>
-            <ac:spMk id="10" creationId="{AF6699C6-F083-2E67-9F48-3C4EA7AAD0FF}"/>
-          </ac:spMkLst>
-        </pc:spChg>
-        <pc:picChg chg="add mod">
-          <ac:chgData name="Javier Bas Vicente" userId="96bf8a96-3310-496c-8c7e-8a087f977faa" providerId="ADAL" clId="{F8F14039-D26C-478B-A3B6-430B35B74BC5}" dt="2023-10-20T16:41:36.259" v="712" actId="1036"/>
-          <ac:picMkLst>
-            <pc:docMk/>
-            <pc:sldMk cId="1253646022" sldId="284"/>
-            <ac:picMk id="12" creationId="{A6B66FBC-5EA9-B6EC-8504-8AA497393C78}"/>
-          </ac:picMkLst>
-        </pc:picChg>
       </pc:sldChg>
     </pc:docChg>
   </pc:docChgLst>
@@ -615,7 +679,7 @@
           <a:p>
             <a:fld id="{A7DB5662-7327-465C-9A70-AD96B7A8D67A}" type="datetimeFigureOut">
               <a:rPr lang="en-US" smtClean="0"/>
-              <a:t>10/28/2024</a:t>
+              <a:t>10/21/2025</a:t>
             </a:fld>
             <a:endParaRPr lang="en-US"/>
           </a:p>
@@ -813,7 +877,7 @@
           <a:p>
             <a:fld id="{A7DB5662-7327-465C-9A70-AD96B7A8D67A}" type="datetimeFigureOut">
               <a:rPr lang="en-US" smtClean="0"/>
-              <a:t>10/28/2024</a:t>
+              <a:t>10/21/2025</a:t>
             </a:fld>
             <a:endParaRPr lang="en-US"/>
           </a:p>
@@ -1021,7 +1085,7 @@
           <a:p>
             <a:fld id="{A7DB5662-7327-465C-9A70-AD96B7A8D67A}" type="datetimeFigureOut">
               <a:rPr lang="en-US" smtClean="0"/>
-              <a:t>10/28/2024</a:t>
+              <a:t>10/21/2025</a:t>
             </a:fld>
             <a:endParaRPr lang="en-US"/>
           </a:p>
@@ -1219,7 +1283,7 @@
           <a:p>
             <a:fld id="{A7DB5662-7327-465C-9A70-AD96B7A8D67A}" type="datetimeFigureOut">
               <a:rPr lang="en-US" smtClean="0"/>
-              <a:t>10/28/2024</a:t>
+              <a:t>10/21/2025</a:t>
             </a:fld>
             <a:endParaRPr lang="en-US"/>
           </a:p>
@@ -1494,7 +1558,7 @@
           <a:p>
             <a:fld id="{A7DB5662-7327-465C-9A70-AD96B7A8D67A}" type="datetimeFigureOut">
               <a:rPr lang="en-US" smtClean="0"/>
-              <a:t>10/28/2024</a:t>
+              <a:t>10/21/2025</a:t>
             </a:fld>
             <a:endParaRPr lang="en-US"/>
           </a:p>
@@ -1759,7 +1823,7 @@
           <a:p>
             <a:fld id="{A7DB5662-7327-465C-9A70-AD96B7A8D67A}" type="datetimeFigureOut">
               <a:rPr lang="en-US" smtClean="0"/>
-              <a:t>10/28/2024</a:t>
+              <a:t>10/21/2025</a:t>
             </a:fld>
             <a:endParaRPr lang="en-US"/>
           </a:p>
@@ -2171,7 +2235,7 @@
           <a:p>
             <a:fld id="{A7DB5662-7327-465C-9A70-AD96B7A8D67A}" type="datetimeFigureOut">
               <a:rPr lang="en-US" smtClean="0"/>
-              <a:t>10/28/2024</a:t>
+              <a:t>10/21/2025</a:t>
             </a:fld>
             <a:endParaRPr lang="en-US"/>
           </a:p>
@@ -2312,7 +2376,7 @@
           <a:p>
             <a:fld id="{A7DB5662-7327-465C-9A70-AD96B7A8D67A}" type="datetimeFigureOut">
               <a:rPr lang="en-US" smtClean="0"/>
-              <a:t>10/28/2024</a:t>
+              <a:t>10/21/2025</a:t>
             </a:fld>
             <a:endParaRPr lang="en-US"/>
           </a:p>
@@ -2425,7 +2489,7 @@
           <a:p>
             <a:fld id="{A7DB5662-7327-465C-9A70-AD96B7A8D67A}" type="datetimeFigureOut">
               <a:rPr lang="en-US" smtClean="0"/>
-              <a:t>10/28/2024</a:t>
+              <a:t>10/21/2025</a:t>
             </a:fld>
             <a:endParaRPr lang="en-US"/>
           </a:p>
@@ -2736,7 +2800,7 @@
           <a:p>
             <a:fld id="{A7DB5662-7327-465C-9A70-AD96B7A8D67A}" type="datetimeFigureOut">
               <a:rPr lang="en-US" smtClean="0"/>
-              <a:t>10/28/2024</a:t>
+              <a:t>10/21/2025</a:t>
             </a:fld>
             <a:endParaRPr lang="en-US"/>
           </a:p>
@@ -3024,7 +3088,7 @@
           <a:p>
             <a:fld id="{A7DB5662-7327-465C-9A70-AD96B7A8D67A}" type="datetimeFigureOut">
               <a:rPr lang="en-US" smtClean="0"/>
-              <a:t>10/28/2024</a:t>
+              <a:t>10/21/2025</a:t>
             </a:fld>
             <a:endParaRPr lang="en-US"/>
           </a:p>
@@ -3265,7 +3329,7 @@
           <a:p>
             <a:fld id="{A7DB5662-7327-465C-9A70-AD96B7A8D67A}" type="datetimeFigureOut">
               <a:rPr lang="en-US" smtClean="0"/>
-              <a:t>10/28/2024</a:t>
+              <a:t>10/21/2025</a:t>
             </a:fld>
             <a:endParaRPr lang="en-US"/>
           </a:p>
@@ -21693,19 +21757,7 @@
               <a:rPr lang="en-US" dirty="0">
                 <a:latin typeface="+mj-lt"/>
               </a:rPr>
-              <a:t>They way in which we </a:t>
-            </a:r>
-            <a:r>
-              <a:rPr lang="en-US" dirty="0" err="1">
-                <a:latin typeface="+mj-lt"/>
-              </a:rPr>
-              <a:t>apporach</a:t>
-            </a:r>
-            <a:r>
-              <a:rPr lang="en-US" dirty="0">
-                <a:latin typeface="+mj-lt"/>
-              </a:rPr>
-              <a:t> this need is by splitting the data into two independent sets:</a:t>
+              <a:t>They way we approach this need is by splitting the data into two independent sets:</a:t>
             </a:r>
           </a:p>
           <a:p>
@@ -22226,13 +22278,13 @@
         <p:spPr/>
         <p:txBody>
           <a:bodyPr>
-            <a:normAutofit/>
+            <a:normAutofit fontScale="92500" lnSpcReduction="20000"/>
           </a:bodyPr>
           <a:lstStyle/>
           <a:p>
             <a:pPr>
               <a:lnSpc>
-                <a:spcPct val="100000"/>
+                <a:spcPct val="150000"/>
               </a:lnSpc>
               <a:buFont typeface="Wingdings" panose="05000000000000000000" pitchFamily="2" charset="2"/>
               <a:buChar char="§"/>
@@ -22241,7 +22293,19 @@
               <a:rPr lang="en-US" sz="2400" dirty="0">
                 <a:latin typeface="+mj-lt"/>
               </a:rPr>
-              <a:t>Some algorithms can be less flexible, </a:t>
+              <a:t>Some algorithms can be less </a:t>
+            </a:r>
+            <a:r>
+              <a:rPr lang="en-US" sz="2400" b="1" dirty="0">
+                <a:latin typeface="+mj-lt"/>
+              </a:rPr>
+              <a:t>flexible</a:t>
+            </a:r>
+            <a:r>
+              <a:rPr lang="en-US" sz="2400" dirty="0">
+                <a:latin typeface="+mj-lt"/>
+              </a:rPr>
+              <a:t>, </a:t>
             </a:r>
             <a:r>
               <a:rPr lang="en-US" sz="2400" dirty="0" err="1">
@@ -22253,13 +22317,25 @@
               <a:rPr lang="en-US" sz="2400" dirty="0">
                 <a:latin typeface="+mj-lt"/>
               </a:rPr>
-              <a:t> more restrictive. It is like saying that they can produce just a small range of ‘shapes’</a:t>
+              <a:t> more restrictive. It is like saying that they can produce just a small range of ‘shapes’. Others, on the contrary, can be very </a:t>
+            </a:r>
+            <a:r>
+              <a:rPr lang="en-US" sz="2400" b="1" dirty="0">
+                <a:latin typeface="+mj-lt"/>
+              </a:rPr>
+              <a:t>flexible</a:t>
+            </a:r>
+            <a:r>
+              <a:rPr lang="en-US" sz="2400" dirty="0">
+                <a:latin typeface="+mj-lt"/>
+              </a:rPr>
+              <a:t>, adapting themselves to data.</a:t>
             </a:r>
           </a:p>
           <a:p>
             <a:pPr>
               <a:lnSpc>
-                <a:spcPct val="100000"/>
+                <a:spcPct val="150000"/>
               </a:lnSpc>
               <a:buFont typeface="Wingdings" panose="05000000000000000000" pitchFamily="2" charset="2"/>
               <a:buChar char="§"/>
@@ -22268,83 +22344,100 @@
               <a:rPr lang="en-US" sz="2400" dirty="0">
                 <a:latin typeface="+mj-lt"/>
               </a:rPr>
-              <a:t>Others, on the contrary, can be very flexible, adapting themselves to data</a:t>
-            </a:r>
-          </a:p>
-        </p:txBody>
-      </p:sp>
-      <p:sp>
-        <p:nvSpPr>
-          <p:cNvPr id="6" name="TextBox 5">
-            <a:extLst>
-              <a:ext uri="{FF2B5EF4-FFF2-40B4-BE49-F238E27FC236}">
-                <a16:creationId xmlns:a16="http://schemas.microsoft.com/office/drawing/2014/main" id="{F32F8EC8-25C4-3FB6-7489-E3CBB7EB387B}"/>
-              </a:ext>
-            </a:extLst>
-          </p:cNvPr>
-          <p:cNvSpPr txBox="1"/>
-          <p:nvPr/>
-        </p:nvSpPr>
-        <p:spPr>
-          <a:xfrm>
-            <a:off x="2459791" y="5944955"/>
-            <a:ext cx="2398734" cy="369332"/>
-          </a:xfrm>
-          <a:prstGeom prst="rect">
-            <a:avLst/>
-          </a:prstGeom>
-          <a:noFill/>
-        </p:spPr>
-        <p:txBody>
-          <a:bodyPr wrap="square" rtlCol="0">
-            <a:spAutoFit/>
-          </a:bodyPr>
-          <a:lstStyle/>
-          <a:p>
-            <a:pPr algn="ctr"/>
-            <a:r>
-              <a:rPr lang="en-US" dirty="0">
+              <a:t>On the other </a:t>
+            </a:r>
+            <a:r>
+              <a:rPr lang="en-US" sz="2400" dirty="0" err="1">
                 <a:latin typeface="+mj-lt"/>
               </a:rPr>
-              <a:t>Linear regression</a:t>
-            </a:r>
-          </a:p>
-        </p:txBody>
-      </p:sp>
-      <p:sp>
-        <p:nvSpPr>
-          <p:cNvPr id="9" name="TextBox 8">
-            <a:extLst>
-              <a:ext uri="{FF2B5EF4-FFF2-40B4-BE49-F238E27FC236}">
-                <a16:creationId xmlns:a16="http://schemas.microsoft.com/office/drawing/2014/main" id="{39C1E5C8-F096-886F-8668-60C815859EA9}"/>
-              </a:ext>
-            </a:extLst>
-          </p:cNvPr>
-          <p:cNvSpPr txBox="1"/>
-          <p:nvPr/>
-        </p:nvSpPr>
-        <p:spPr>
-          <a:xfrm>
-            <a:off x="7956147" y="6007585"/>
-            <a:ext cx="2398734" cy="369332"/>
-          </a:xfrm>
-          <a:prstGeom prst="rect">
-            <a:avLst/>
-          </a:prstGeom>
-          <a:noFill/>
-        </p:spPr>
-        <p:txBody>
-          <a:bodyPr wrap="square" rtlCol="0">
-            <a:spAutoFit/>
-          </a:bodyPr>
-          <a:lstStyle/>
-          <a:p>
-            <a:pPr algn="ctr"/>
-            <a:r>
-              <a:rPr lang="en-US" dirty="0">
+              <a:t>han</a:t>
+            </a:r>
+            <a:r>
+              <a:rPr lang="en-US" sz="2400" dirty="0">
                 <a:latin typeface="+mj-lt"/>
               </a:rPr>
-              <a:t>Spline</a:t>
+              <a:t>, it is also essential to jointly consider the degree to which a system's output matches the true value or desired outcome </a:t>
+            </a:r>
+            <a:r>
+              <a:rPr lang="en-US" sz="2400" dirty="0" err="1">
+                <a:latin typeface="+mj-lt"/>
+              </a:rPr>
+              <a:t>i.e</a:t>
+            </a:r>
+            <a:r>
+              <a:rPr lang="en-US" sz="2400" dirty="0">
+                <a:latin typeface="+mj-lt"/>
+              </a:rPr>
+              <a:t> how </a:t>
+            </a:r>
+            <a:r>
+              <a:rPr lang="en-US" sz="2400" b="1" dirty="0">
+                <a:latin typeface="+mj-lt"/>
+              </a:rPr>
+              <a:t>accurate</a:t>
+            </a:r>
+            <a:r>
+              <a:rPr lang="en-US" sz="2400" dirty="0">
+                <a:latin typeface="+mj-lt"/>
+              </a:rPr>
+              <a:t> it is.</a:t>
+            </a:r>
+          </a:p>
+          <a:p>
+            <a:pPr>
+              <a:lnSpc>
+                <a:spcPct val="150000"/>
+              </a:lnSpc>
+              <a:buFont typeface="Wingdings" panose="05000000000000000000" pitchFamily="2" charset="2"/>
+              <a:buChar char="§"/>
+            </a:pPr>
+            <a:r>
+              <a:rPr lang="en-US" sz="2400" dirty="0">
+                <a:latin typeface="+mj-lt"/>
+              </a:rPr>
+              <a:t>The accuracy-flexibility trade-off refers to the balance between achieving </a:t>
+            </a:r>
+            <a:r>
+              <a:rPr lang="en-US" sz="2400" b="1" u="sng" dirty="0">
+                <a:latin typeface="+mj-lt"/>
+              </a:rPr>
+              <a:t>high accuracy</a:t>
+            </a:r>
+            <a:r>
+              <a:rPr lang="en-US" sz="2400" b="1" dirty="0">
+                <a:latin typeface="+mj-lt"/>
+              </a:rPr>
+              <a:t> </a:t>
+            </a:r>
+            <a:r>
+              <a:rPr lang="en-US" sz="2400" dirty="0">
+                <a:latin typeface="+mj-lt"/>
+              </a:rPr>
+              <a:t>in a task </a:t>
+            </a:r>
+            <a:r>
+              <a:rPr lang="en-US" sz="2400" b="1" u="sng" dirty="0">
+                <a:latin typeface="+mj-lt"/>
+              </a:rPr>
+              <a:t>but</a:t>
+            </a:r>
+            <a:r>
+              <a:rPr lang="en-US" sz="2400" dirty="0">
+                <a:latin typeface="+mj-lt"/>
+              </a:rPr>
+              <a:t> maintaining the flexibility to adapt to </a:t>
+            </a:r>
+            <a:r>
+              <a:rPr lang="en-US" sz="2400" b="1" u="sng" dirty="0">
+                <a:latin typeface="+mj-lt"/>
+              </a:rPr>
+              <a:t>different situations or requirements</a:t>
+            </a:r>
+            <a:r>
+              <a:rPr lang="en-US" sz="2400" dirty="0">
+                <a:latin typeface="+mj-lt"/>
+              </a:rPr>
+              <a:t>. In many systems, increasing accuracy can limit flexibility, while enhancing flexibility may reduce overall accuracy.</a:t>
             </a:r>
           </a:p>
         </p:txBody>
@@ -22684,12 +22777,510 @@
           </a:p>
         </p:txBody>
       </p:sp>
+    </p:spTree>
+    <p:extLst>
+      <p:ext uri="{BB962C8B-B14F-4D97-AF65-F5344CB8AC3E}">
+        <p14:creationId xmlns:p14="http://schemas.microsoft.com/office/powerpoint/2010/main" val="2924134329"/>
+      </p:ext>
+    </p:extLst>
+  </p:cSld>
+  <p:clrMapOvr>
+    <a:masterClrMapping/>
+  </p:clrMapOvr>
+</p:sld>
+</file>
+
+<file path=ppt/slides/slide12.xml><?xml version="1.0" encoding="utf-8"?>
+<p:sld xmlns:a="http://schemas.openxmlformats.org/drawingml/2006/main" xmlns:r="http://schemas.openxmlformats.org/officeDocument/2006/relationships" xmlns:p="http://schemas.openxmlformats.org/presentationml/2006/main">
+  <p:cSld>
+    <p:spTree>
+      <p:nvGrpSpPr>
+        <p:cNvPr id="1" name="">
+          <a:extLst>
+            <a:ext uri="{FF2B5EF4-FFF2-40B4-BE49-F238E27FC236}">
+              <a16:creationId xmlns:a16="http://schemas.microsoft.com/office/drawing/2014/main" id="{C1EB7F53-2317-733E-6388-49FF6E92B6EC}"/>
+            </a:ext>
+          </a:extLst>
+        </p:cNvPr>
+        <p:cNvGrpSpPr/>
+        <p:nvPr/>
+      </p:nvGrpSpPr>
+      <p:grpSpPr>
+        <a:xfrm>
+          <a:off x="0" y="0"/>
+          <a:ext cx="0" cy="0"/>
+          <a:chOff x="0" y="0"/>
+          <a:chExt cx="0" cy="0"/>
+        </a:xfrm>
+      </p:grpSpPr>
+      <p:sp>
+        <p:nvSpPr>
+          <p:cNvPr id="2" name="Title 1">
+            <a:extLst>
+              <a:ext uri="{FF2B5EF4-FFF2-40B4-BE49-F238E27FC236}">
+                <a16:creationId xmlns:a16="http://schemas.microsoft.com/office/drawing/2014/main" id="{A36C9814-4B7B-3377-8B20-31295DC91813}"/>
+              </a:ext>
+            </a:extLst>
+          </p:cNvPr>
+          <p:cNvSpPr>
+            <a:spLocks noGrp="1"/>
+          </p:cNvSpPr>
+          <p:nvPr>
+            <p:ph type="title"/>
+          </p:nvPr>
+        </p:nvSpPr>
+        <p:spPr/>
+        <p:txBody>
+          <a:bodyPr>
+            <a:normAutofit/>
+          </a:bodyPr>
+          <a:lstStyle/>
+          <a:p>
+            <a:r>
+              <a:rPr lang="es-ES" sz="4000" dirty="0" err="1"/>
+              <a:t>The</a:t>
+            </a:r>
+            <a:r>
+              <a:rPr lang="es-ES" sz="4000" dirty="0"/>
+              <a:t> </a:t>
+            </a:r>
+            <a:r>
+              <a:rPr lang="es-ES" sz="4000" dirty="0" err="1"/>
+              <a:t>Accuracy-Flexibility</a:t>
+            </a:r>
+            <a:r>
+              <a:rPr lang="es-ES" sz="4000" dirty="0"/>
+              <a:t> </a:t>
+            </a:r>
+            <a:r>
+              <a:rPr lang="es-ES" sz="4000" dirty="0" err="1"/>
+              <a:t>trade</a:t>
+            </a:r>
+            <a:r>
+              <a:rPr lang="es-ES" sz="4000" dirty="0"/>
+              <a:t>-off</a:t>
+            </a:r>
+            <a:endParaRPr lang="en-US" sz="4000" dirty="0"/>
+          </a:p>
+        </p:txBody>
+      </p:sp>
+      <p:sp>
+        <p:nvSpPr>
+          <p:cNvPr id="6" name="TextBox 5">
+            <a:extLst>
+              <a:ext uri="{FF2B5EF4-FFF2-40B4-BE49-F238E27FC236}">
+                <a16:creationId xmlns:a16="http://schemas.microsoft.com/office/drawing/2014/main" id="{01463823-C860-F1E6-EC8A-60182ABA5243}"/>
+              </a:ext>
+            </a:extLst>
+          </p:cNvPr>
+          <p:cNvSpPr txBox="1"/>
+          <p:nvPr/>
+        </p:nvSpPr>
+        <p:spPr>
+          <a:xfrm>
+            <a:off x="2459791" y="5441688"/>
+            <a:ext cx="2398734" cy="369332"/>
+          </a:xfrm>
+          <a:prstGeom prst="rect">
+            <a:avLst/>
+          </a:prstGeom>
+          <a:noFill/>
+        </p:spPr>
+        <p:txBody>
+          <a:bodyPr wrap="square" rtlCol="0">
+            <a:spAutoFit/>
+          </a:bodyPr>
+          <a:lstStyle/>
+          <a:p>
+            <a:pPr algn="ctr"/>
+            <a:r>
+              <a:rPr lang="en-US" dirty="0">
+                <a:latin typeface="+mj-lt"/>
+              </a:rPr>
+              <a:t>Linear regression</a:t>
+            </a:r>
+          </a:p>
+        </p:txBody>
+      </p:sp>
+      <p:sp>
+        <p:nvSpPr>
+          <p:cNvPr id="9" name="TextBox 8">
+            <a:extLst>
+              <a:ext uri="{FF2B5EF4-FFF2-40B4-BE49-F238E27FC236}">
+                <a16:creationId xmlns:a16="http://schemas.microsoft.com/office/drawing/2014/main" id="{B5E083B5-5414-DAFE-33F5-EF138A018A48}"/>
+              </a:ext>
+            </a:extLst>
+          </p:cNvPr>
+          <p:cNvSpPr txBox="1"/>
+          <p:nvPr/>
+        </p:nvSpPr>
+        <p:spPr>
+          <a:xfrm>
+            <a:off x="7956147" y="5504318"/>
+            <a:ext cx="2398734" cy="369332"/>
+          </a:xfrm>
+          <a:prstGeom prst="rect">
+            <a:avLst/>
+          </a:prstGeom>
+          <a:noFill/>
+        </p:spPr>
+        <p:txBody>
+          <a:bodyPr wrap="square" rtlCol="0">
+            <a:spAutoFit/>
+          </a:bodyPr>
+          <a:lstStyle/>
+          <a:p>
+            <a:pPr algn="ctr"/>
+            <a:r>
+              <a:rPr lang="en-US" dirty="0">
+                <a:latin typeface="+mj-lt"/>
+              </a:rPr>
+              <a:t>Spline</a:t>
+            </a:r>
+          </a:p>
+        </p:txBody>
+      </p:sp>
+      <p:sp>
+        <p:nvSpPr>
+          <p:cNvPr id="7" name="Rectángulo 3">
+            <a:extLst>
+              <a:ext uri="{FF2B5EF4-FFF2-40B4-BE49-F238E27FC236}">
+                <a16:creationId xmlns:a16="http://schemas.microsoft.com/office/drawing/2014/main" id="{FE1B9F90-E1EE-7DB0-93E3-CC8E4C5B08AB}"/>
+              </a:ext>
+            </a:extLst>
+          </p:cNvPr>
+          <p:cNvSpPr/>
+          <p:nvPr/>
+        </p:nvSpPr>
+        <p:spPr>
+          <a:xfrm>
+            <a:off x="0" y="0"/>
+            <a:ext cx="374469" cy="6858000"/>
+          </a:xfrm>
+          <a:prstGeom prst="rect">
+            <a:avLst/>
+          </a:prstGeom>
+        </p:spPr>
+        <p:style>
+          <a:lnRef idx="2">
+            <a:schemeClr val="accent2">
+              <a:shade val="50000"/>
+            </a:schemeClr>
+          </a:lnRef>
+          <a:fillRef idx="1">
+            <a:schemeClr val="accent2"/>
+          </a:fillRef>
+          <a:effectRef idx="0">
+            <a:schemeClr val="accent2"/>
+          </a:effectRef>
+          <a:fontRef idx="minor">
+            <a:schemeClr val="lt1"/>
+          </a:fontRef>
+        </p:style>
+        <p:txBody>
+          <a:bodyPr rtlCol="0" anchor="ctr"/>
+          <a:lstStyle/>
+          <a:p>
+            <a:pPr algn="ctr"/>
+            <a:endParaRPr lang="es-ES"/>
+          </a:p>
+        </p:txBody>
+      </p:sp>
+      <p:sp>
+        <p:nvSpPr>
+          <p:cNvPr id="8" name="Rectangle 143">
+            <a:extLst>
+              <a:ext uri="{FF2B5EF4-FFF2-40B4-BE49-F238E27FC236}">
+                <a16:creationId xmlns:a16="http://schemas.microsoft.com/office/drawing/2014/main" id="{508E80AF-1BB6-C7FF-E444-42A73E4AA4AF}"/>
+              </a:ext>
+            </a:extLst>
+          </p:cNvPr>
+          <p:cNvSpPr>
+            <a:spLocks noChangeArrowheads="1"/>
+          </p:cNvSpPr>
+          <p:nvPr/>
+        </p:nvSpPr>
+        <p:spPr bwMode="auto">
+          <a:xfrm>
+            <a:off x="448342" y="6401243"/>
+            <a:ext cx="5730175" cy="307777"/>
+          </a:xfrm>
+          <a:prstGeom prst="rect">
+            <a:avLst/>
+          </a:prstGeom>
+          <a:noFill/>
+          <a:ln>
+            <a:noFill/>
+          </a:ln>
+          <a:effectLst/>
+          <a:extLst>
+            <a:ext uri="{909E8E84-426E-40DD-AFC4-6F175D3DCCD1}">
+              <a14:hiddenFill xmlns:a14="http://schemas.microsoft.com/office/drawing/2010/main">
+                <a:solidFill>
+                  <a:schemeClr val="accent1"/>
+                </a:solidFill>
+              </a14:hiddenFill>
+            </a:ext>
+            <a:ext uri="{91240B29-F687-4F45-9708-019B960494DF}">
+              <a14:hiddenLine xmlns:a14="http://schemas.microsoft.com/office/drawing/2010/main" w="9525">
+                <a:solidFill>
+                  <a:schemeClr val="tx1"/>
+                </a:solidFill>
+                <a:miter lim="800000"/>
+                <a:headEnd/>
+                <a:tailEnd/>
+              </a14:hiddenLine>
+            </a:ext>
+            <a:ext uri="{AF507438-7753-43E0-B8FC-AC1667EBCBE1}">
+              <a14:hiddenEffects xmlns:a14="http://schemas.microsoft.com/office/drawing/2010/main">
+                <a:effectLst>
+                  <a:outerShdw dist="35921" dir="2700000" algn="ctr" rotWithShape="0">
+                    <a:schemeClr val="bg2"/>
+                  </a:outerShdw>
+                </a:effectLst>
+              </a14:hiddenEffects>
+            </a:ext>
+          </a:extLst>
+        </p:spPr>
+        <p:txBody>
+          <a:bodyPr vert="horz" wrap="square" lIns="91440" tIns="45720" rIns="91440" bIns="45720" numCol="1" anchor="ctr" anchorCtr="0" compatLnSpc="1">
+            <a:prstTxWarp prst="textNoShape">
+              <a:avLst/>
+            </a:prstTxWarp>
+            <a:spAutoFit/>
+          </a:bodyPr>
+          <a:lstStyle/>
+          <a:p>
+            <a:pPr marL="0" marR="0" lvl="0" indent="0" algn="l" defTabSz="914400" rtl="0" eaLnBrk="0" fontAlgn="base" latinLnBrk="0" hangingPunct="0">
+              <a:lnSpc>
+                <a:spcPct val="100000"/>
+              </a:lnSpc>
+              <a:spcBef>
+                <a:spcPct val="0"/>
+              </a:spcBef>
+              <a:spcAft>
+                <a:spcPct val="0"/>
+              </a:spcAft>
+              <a:buClrTx/>
+              <a:buSzTx/>
+              <a:buFontTx/>
+              <a:buNone/>
+              <a:tabLst/>
+            </a:pPr>
+            <a:r>
+              <a:rPr kumimoji="0" lang="en-US" altLang="es-ES" sz="1400" b="0" i="0" u="none" strike="noStrike" cap="none" normalizeH="0" baseline="0" dirty="0">
+                <a:ln>
+                  <a:noFill/>
+                </a:ln>
+                <a:solidFill>
+                  <a:srgbClr val="F4A200"/>
+                </a:solidFill>
+                <a:effectLst/>
+                <a:latin typeface="Arial" panose="020B0604020202020204" pitchFamily="34" charset="0"/>
+                <a:ea typeface="Myriad Pro Light"/>
+                <a:cs typeface="Times New Roman" panose="02020603050405020304" pitchFamily="18" charset="0"/>
+              </a:rPr>
+              <a:t>Master in Quantitative Economic Analysis </a:t>
+            </a:r>
+            <a:r>
+              <a:rPr kumimoji="0" lang="en-US" altLang="es-ES" sz="1400" b="0" i="0" u="none" strike="noStrike" cap="none" normalizeH="0" baseline="0" dirty="0" err="1">
+                <a:ln>
+                  <a:noFill/>
+                </a:ln>
+                <a:solidFill>
+                  <a:srgbClr val="F4A200"/>
+                </a:solidFill>
+                <a:effectLst/>
+                <a:latin typeface="Arial" panose="020B0604020202020204" pitchFamily="34" charset="0"/>
+                <a:ea typeface="Myriad Pro Light"/>
+                <a:cs typeface="Times New Roman" panose="02020603050405020304" pitchFamily="18" charset="0"/>
+              </a:rPr>
+              <a:t>MQuEA</a:t>
+            </a:r>
+            <a:endParaRPr kumimoji="0" lang="es-ES" altLang="es-ES" sz="500" b="0" i="0" u="none" strike="noStrike" cap="none" normalizeH="0" baseline="0" dirty="0">
+              <a:ln>
+                <a:noFill/>
+              </a:ln>
+              <a:solidFill>
+                <a:schemeClr val="tx1"/>
+              </a:solidFill>
+              <a:effectLst/>
+              <a:latin typeface="Arial" panose="020B0604020202020204" pitchFamily="34" charset="0"/>
+            </a:endParaRPr>
+          </a:p>
+        </p:txBody>
+      </p:sp>
+      <p:sp>
+        <p:nvSpPr>
+          <p:cNvPr id="10" name="Rectangle 143">
+            <a:extLst>
+              <a:ext uri="{FF2B5EF4-FFF2-40B4-BE49-F238E27FC236}">
+                <a16:creationId xmlns:a16="http://schemas.microsoft.com/office/drawing/2014/main" id="{6E8BB992-E11A-B21F-DE0B-CFB36FCD9B3C}"/>
+              </a:ext>
+            </a:extLst>
+          </p:cNvPr>
+          <p:cNvSpPr>
+            <a:spLocks noChangeArrowheads="1"/>
+          </p:cNvSpPr>
+          <p:nvPr/>
+        </p:nvSpPr>
+        <p:spPr bwMode="auto">
+          <a:xfrm>
+            <a:off x="6186394" y="6411881"/>
+            <a:ext cx="5730175" cy="307777"/>
+          </a:xfrm>
+          <a:prstGeom prst="rect">
+            <a:avLst/>
+          </a:prstGeom>
+          <a:noFill/>
+          <a:ln>
+            <a:noFill/>
+          </a:ln>
+          <a:effectLst/>
+          <a:extLst>
+            <a:ext uri="{909E8E84-426E-40DD-AFC4-6F175D3DCCD1}">
+              <a14:hiddenFill xmlns:a14="http://schemas.microsoft.com/office/drawing/2010/main">
+                <a:solidFill>
+                  <a:schemeClr val="accent1"/>
+                </a:solidFill>
+              </a14:hiddenFill>
+            </a:ext>
+            <a:ext uri="{91240B29-F687-4F45-9708-019B960494DF}">
+              <a14:hiddenLine xmlns:a14="http://schemas.microsoft.com/office/drawing/2010/main" w="9525">
+                <a:solidFill>
+                  <a:schemeClr val="tx1"/>
+                </a:solidFill>
+                <a:miter lim="800000"/>
+                <a:headEnd/>
+                <a:tailEnd/>
+              </a14:hiddenLine>
+            </a:ext>
+            <a:ext uri="{AF507438-7753-43E0-B8FC-AC1667EBCBE1}">
+              <a14:hiddenEffects xmlns:a14="http://schemas.microsoft.com/office/drawing/2010/main">
+                <a:effectLst>
+                  <a:outerShdw dist="35921" dir="2700000" algn="ctr" rotWithShape="0">
+                    <a:schemeClr val="bg2"/>
+                  </a:outerShdw>
+                </a:effectLst>
+              </a14:hiddenEffects>
+            </a:ext>
+          </a:extLst>
+        </p:spPr>
+        <p:txBody>
+          <a:bodyPr vert="horz" wrap="square" lIns="91440" tIns="45720" rIns="91440" bIns="45720" numCol="1" anchor="ctr" anchorCtr="0" compatLnSpc="1">
+            <a:prstTxWarp prst="textNoShape">
+              <a:avLst/>
+            </a:prstTxWarp>
+            <a:spAutoFit/>
+          </a:bodyPr>
+          <a:lstStyle/>
+          <a:p>
+            <a:pPr marL="0" marR="0" lvl="0" indent="0" algn="r" defTabSz="914400" rtl="0" eaLnBrk="0" fontAlgn="base" latinLnBrk="0" hangingPunct="0">
+              <a:lnSpc>
+                <a:spcPct val="100000"/>
+              </a:lnSpc>
+              <a:spcBef>
+                <a:spcPct val="0"/>
+              </a:spcBef>
+              <a:spcAft>
+                <a:spcPct val="0"/>
+              </a:spcAft>
+              <a:buClrTx/>
+              <a:buSzTx/>
+              <a:buFontTx/>
+              <a:buNone/>
+              <a:tabLst/>
+            </a:pPr>
+            <a:r>
+              <a:rPr kumimoji="0" lang="en-US" altLang="es-ES" sz="1400" b="0" i="0" u="none" strike="noStrike" cap="none" normalizeH="0" baseline="0" dirty="0">
+                <a:ln>
+                  <a:noFill/>
+                </a:ln>
+                <a:solidFill>
+                  <a:srgbClr val="F4A200"/>
+                </a:solidFill>
+                <a:effectLst/>
+                <a:latin typeface="Arial" panose="020B0604020202020204" pitchFamily="34" charset="0"/>
+                <a:ea typeface="Myriad Pro Light"/>
+                <a:cs typeface="Times New Roman" panose="02020603050405020304" pitchFamily="18" charset="0"/>
+              </a:rPr>
+              <a:t>Universidad </a:t>
+            </a:r>
+            <a:r>
+              <a:rPr kumimoji="0" lang="en-US" altLang="es-ES" sz="1400" b="0" i="0" u="none" strike="noStrike" cap="none" normalizeH="0" baseline="0" dirty="0" err="1">
+                <a:ln>
+                  <a:noFill/>
+                </a:ln>
+                <a:solidFill>
+                  <a:srgbClr val="F4A200"/>
+                </a:solidFill>
+                <a:effectLst/>
+                <a:latin typeface="Arial" panose="020B0604020202020204" pitchFamily="34" charset="0"/>
+                <a:ea typeface="Myriad Pro Light"/>
+                <a:cs typeface="Times New Roman" panose="02020603050405020304" pitchFamily="18" charset="0"/>
+              </a:rPr>
+              <a:t>Aut</a:t>
+            </a:r>
+            <a:r>
+              <a:rPr lang="en-US" altLang="es-ES" sz="1400" dirty="0" err="1">
+                <a:solidFill>
+                  <a:srgbClr val="F4A200"/>
+                </a:solidFill>
+                <a:latin typeface="Arial" panose="020B0604020202020204" pitchFamily="34" charset="0"/>
+                <a:ea typeface="Myriad Pro Light"/>
+                <a:cs typeface="Times New Roman" panose="02020603050405020304" pitchFamily="18" charset="0"/>
+              </a:rPr>
+              <a:t>ó</a:t>
+            </a:r>
+            <a:r>
+              <a:rPr kumimoji="0" lang="en-US" altLang="es-ES" sz="1400" b="0" i="0" u="none" strike="noStrike" cap="none" normalizeH="0" baseline="0" dirty="0" err="1">
+                <a:ln>
+                  <a:noFill/>
+                </a:ln>
+                <a:solidFill>
+                  <a:srgbClr val="F4A200"/>
+                </a:solidFill>
+                <a:effectLst/>
+                <a:latin typeface="Arial" panose="020B0604020202020204" pitchFamily="34" charset="0"/>
+                <a:ea typeface="Myriad Pro Light"/>
+                <a:cs typeface="Times New Roman" panose="02020603050405020304" pitchFamily="18" charset="0"/>
+              </a:rPr>
+              <a:t>noma</a:t>
+            </a:r>
+            <a:r>
+              <a:rPr kumimoji="0" lang="en-US" altLang="es-ES" sz="1400" b="0" i="0" u="none" strike="noStrike" cap="none" normalizeH="0" baseline="0" dirty="0">
+                <a:ln>
+                  <a:noFill/>
+                </a:ln>
+                <a:solidFill>
+                  <a:srgbClr val="F4A200"/>
+                </a:solidFill>
+                <a:effectLst/>
+                <a:latin typeface="Arial" panose="020B0604020202020204" pitchFamily="34" charset="0"/>
+                <a:ea typeface="Myriad Pro Light"/>
+                <a:cs typeface="Times New Roman" panose="02020603050405020304" pitchFamily="18" charset="0"/>
+              </a:rPr>
+              <a:t> de Madrid</a:t>
+            </a:r>
+            <a:endParaRPr kumimoji="0" lang="es-ES" altLang="es-ES" sz="500" b="0" i="0" u="none" strike="noStrike" cap="none" normalizeH="0" baseline="0" dirty="0">
+              <a:ln>
+                <a:noFill/>
+              </a:ln>
+              <a:solidFill>
+                <a:schemeClr val="tx1"/>
+              </a:solidFill>
+              <a:effectLst/>
+              <a:latin typeface="Arial" panose="020B0604020202020204" pitchFamily="34" charset="0"/>
+            </a:endParaRPr>
+          </a:p>
+        </p:txBody>
+      </p:sp>
       <p:pic>
         <p:nvPicPr>
           <p:cNvPr id="11" name="Picture 10">
             <a:extLst>
               <a:ext uri="{FF2B5EF4-FFF2-40B4-BE49-F238E27FC236}">
-                <a16:creationId xmlns:a16="http://schemas.microsoft.com/office/drawing/2014/main" id="{8890E8D0-5773-F99C-1AC2-F84980A00AD4}"/>
+                <a16:creationId xmlns:a16="http://schemas.microsoft.com/office/drawing/2014/main" id="{C3D4D570-5CCD-B470-4EDD-EB6BE5ABDDD5}"/>
               </a:ext>
             </a:extLst>
           </p:cNvPr>
@@ -22706,8 +23297,8 @@
         </p:blipFill>
         <p:spPr>
           <a:xfrm>
-            <a:off x="1808709" y="3457352"/>
-            <a:ext cx="3187337" cy="2549435"/>
+            <a:off x="1376318" y="2023449"/>
+            <a:ext cx="4114800" cy="3291284"/>
           </a:xfrm>
           <a:prstGeom prst="rect">
             <a:avLst/>
@@ -22719,7 +23310,7 @@
           <p:cNvPr id="12" name="Picture 11">
             <a:extLst>
               <a:ext uri="{FF2B5EF4-FFF2-40B4-BE49-F238E27FC236}">
-                <a16:creationId xmlns:a16="http://schemas.microsoft.com/office/drawing/2014/main" id="{CCE56775-F6CE-3DD7-FE2D-2418769A2E21}"/>
+                <a16:creationId xmlns:a16="http://schemas.microsoft.com/office/drawing/2014/main" id="{3E4C51D1-528F-BA29-2736-1313684852DE}"/>
               </a:ext>
             </a:extLst>
           </p:cNvPr>
@@ -22736,8 +23327,8 @@
         </p:blipFill>
         <p:spPr>
           <a:xfrm>
-            <a:off x="7301140" y="3477501"/>
-            <a:ext cx="3187337" cy="2540726"/>
+            <a:off x="6868749" y="2043599"/>
+            <a:ext cx="4114800" cy="3280039"/>
           </a:xfrm>
           <a:prstGeom prst="rect">
             <a:avLst/>
@@ -22747,7 +23338,7 @@
     </p:spTree>
     <p:extLst>
       <p:ext uri="{BB962C8B-B14F-4D97-AF65-F5344CB8AC3E}">
-        <p14:creationId xmlns:p14="http://schemas.microsoft.com/office/powerpoint/2010/main" val="2924134329"/>
+        <p14:creationId xmlns:p14="http://schemas.microsoft.com/office/powerpoint/2010/main" val="4231152004"/>
       </p:ext>
     </p:extLst>
   </p:cSld>
@@ -22757,7 +23348,7 @@
 </p:sld>
 </file>
 
-<file path=ppt/slides/slide12.xml><?xml version="1.0" encoding="utf-8"?>
+<file path=ppt/slides/slide13.xml><?xml version="1.0" encoding="utf-8"?>
 <p:sld xmlns:a="http://schemas.openxmlformats.org/drawingml/2006/main" xmlns:r="http://schemas.openxmlformats.org/officeDocument/2006/relationships" xmlns:p="http://schemas.openxmlformats.org/presentationml/2006/main">
   <p:cSld>
     <p:spTree>
@@ -23444,7 +24035,7 @@
 </p:sld>
 </file>
 
-<file path=ppt/slides/slide13.xml><?xml version="1.0" encoding="utf-8"?>
+<file path=ppt/slides/slide14.xml><?xml version="1.0" encoding="utf-8"?>
 <p:sld xmlns:a="http://schemas.openxmlformats.org/drawingml/2006/main" xmlns:r="http://schemas.openxmlformats.org/officeDocument/2006/relationships" xmlns:p="http://schemas.openxmlformats.org/presentationml/2006/main">
   <p:cSld>
     <p:spTree>
@@ -23890,7 +24481,7 @@
 </p:sld>
 </file>
 
-<file path=ppt/slides/slide14.xml><?xml version="1.0" encoding="utf-8"?>
+<file path=ppt/slides/slide15.xml><?xml version="1.0" encoding="utf-8"?>
 <p:sld xmlns:a="http://schemas.openxmlformats.org/drawingml/2006/main" xmlns:r="http://schemas.openxmlformats.org/officeDocument/2006/relationships" xmlns:p="http://schemas.openxmlformats.org/presentationml/2006/main">
   <p:cSld>
     <p:spTree>
@@ -24019,7 +24610,7 @@
           <a:p>
             <a:pPr>
               <a:lnSpc>
-                <a:spcPct val="100000"/>
+                <a:spcPct val="150000"/>
               </a:lnSpc>
               <a:buFont typeface="Wingdings" panose="05000000000000000000" pitchFamily="2" charset="2"/>
               <a:buChar char="§"/>
@@ -24043,14 +24634,17 @@
               <a:rPr lang="en-US" sz="2400" dirty="0">
                 <a:latin typeface="+mj-lt"/>
               </a:rPr>
-              <a:t>... funny enough, that’s not always the case because of the </a:t>
+              <a:t>... that’s not always the case (to be preferred) because more flexible models suffer from high variance. This leads to the idea of the </a:t>
             </a:r>
             <a:r>
               <a:rPr lang="en-US" sz="2400" b="1" dirty="0">
                 <a:latin typeface="+mj-lt"/>
               </a:rPr>
-              <a:t>bias-variance trade-off</a:t>
-            </a:r>
+              <a:t>bias-variance trade-off, </a:t>
+            </a:r>
+            <a:endParaRPr lang="en-US" sz="2400" dirty="0">
+              <a:latin typeface="+mj-lt"/>
+            </a:endParaRPr>
           </a:p>
           <a:p>
             <a:pPr>
@@ -24414,7 +25008,7 @@
 </p:sld>
 </file>
 
-<file path=ppt/slides/slide15.xml><?xml version="1.0" encoding="utf-8"?>
+<file path=ppt/slides/slide16.xml><?xml version="1.0" encoding="utf-8"?>
 <p:sld xmlns:a="http://schemas.openxmlformats.org/drawingml/2006/main" xmlns:r="http://schemas.openxmlformats.org/officeDocument/2006/relationships" xmlns:p="http://schemas.openxmlformats.org/presentationml/2006/main">
   <p:cSld>
     <p:spTree>
@@ -24507,7 +25101,7 @@
           <a:p>
             <a:pPr>
               <a:lnSpc>
-                <a:spcPct val="100000"/>
+                <a:spcPct val="150000"/>
               </a:lnSpc>
               <a:buFont typeface="Wingdings" panose="05000000000000000000" pitchFamily="2" charset="2"/>
               <a:buChar char="§"/>
@@ -24522,7 +25116,7 @@
           <a:p>
             <a:pPr>
               <a:lnSpc>
-                <a:spcPct val="100000"/>
+                <a:spcPct val="150000"/>
               </a:lnSpc>
               <a:buFont typeface="Wingdings" panose="05000000000000000000" pitchFamily="2" charset="2"/>
               <a:buChar char="§"/>
@@ -24543,35 +25137,8 @@
               <a:rPr lang="en-US" sz="2400" dirty="0">
                 <a:latin typeface="+mj-lt"/>
               </a:rPr>
-              <a:t> means to what extent the fitting would change if a different dataset was used. Ideally, the estimate should not vary too much between datasets. However, if a method has high variance, small changes in the training data can result in large changes in the fitting. (Think about its similarity with OLS estimators)</a:t>
-            </a:r>
-          </a:p>
-          <a:p>
-            <a:pPr>
-              <a:lnSpc>
-                <a:spcPct val="100000"/>
-              </a:lnSpc>
-              <a:buFont typeface="Wingdings" panose="05000000000000000000" pitchFamily="2" charset="2"/>
-              <a:buChar char="§"/>
-            </a:pPr>
-            <a:r>
-              <a:rPr lang="en-US" sz="2400" dirty="0">
-                <a:latin typeface="+mj-lt"/>
-              </a:rPr>
-              <a:t>In general, more flexible statistical methods have higher variance.</a:t>
-            </a:r>
-          </a:p>
-          <a:p>
-            <a:pPr>
-              <a:lnSpc>
-                <a:spcPct val="100000"/>
-              </a:lnSpc>
-              <a:buFont typeface="Wingdings" panose="05000000000000000000" pitchFamily="2" charset="2"/>
-              <a:buChar char="§"/>
-            </a:pPr>
-            <a:endParaRPr lang="en-US" sz="2400" dirty="0">
-              <a:latin typeface="+mj-lt"/>
-            </a:endParaRPr>
+              <a:t> means to what extent the fitting would change if a different dataset was used. Ideally, the estimate should not vary too much between datasets. However, if a method has high variance, small changes in the training data can result in large changes in the fitting.</a:t>
+            </a:r>
           </a:p>
         </p:txBody>
       </p:sp>
@@ -24923,7 +25490,7 @@
 </p:sld>
 </file>
 
-<file path=ppt/slides/slide16.xml><?xml version="1.0" encoding="utf-8"?>
+<file path=ppt/slides/slide17.xml><?xml version="1.0" encoding="utf-8"?>
 <p:sld xmlns:a="http://schemas.openxmlformats.org/drawingml/2006/main" xmlns:r="http://schemas.openxmlformats.org/officeDocument/2006/relationships" xmlns:p="http://schemas.openxmlformats.org/presentationml/2006/main">
   <p:cSld>
     <p:spTree>
@@ -25016,7 +25583,7 @@
           <a:p>
             <a:pPr>
               <a:lnSpc>
-                <a:spcPct val="100000"/>
+                <a:spcPct val="150000"/>
               </a:lnSpc>
               <a:buFont typeface="Wingdings" panose="05000000000000000000" pitchFamily="2" charset="2"/>
               <a:buChar char="§"/>
@@ -25037,13 +25604,13 @@
               <a:rPr lang="en-US" sz="2400" dirty="0">
                 <a:latin typeface="+mj-lt"/>
               </a:rPr>
-              <a:t> refers to the error made approximating a real-life problem. For instance, a linear regression used to approximate any real-life relationship will incur in a large bias (nothing relates so simply!).</a:t>
+              <a:t> refers to the error made approximating a real-life problem. For instance, a linear regression used to approximate any real-life relationship will incur in a large bias (little phenomena relate so simply!).</a:t>
             </a:r>
           </a:p>
           <a:p>
             <a:pPr>
               <a:lnSpc>
-                <a:spcPct val="100000"/>
+                <a:spcPct val="150000"/>
               </a:lnSpc>
               <a:buFont typeface="Wingdings" panose="05000000000000000000" pitchFamily="2" charset="2"/>
               <a:buChar char="§"/>
@@ -25070,7 +25637,7 @@
           <a:p>
             <a:pPr>
               <a:lnSpc>
-                <a:spcPct val="100000"/>
+                <a:spcPct val="150000"/>
               </a:lnSpc>
               <a:buFont typeface="Wingdings" panose="05000000000000000000" pitchFamily="2" charset="2"/>
               <a:buChar char="§"/>
@@ -25429,7 +25996,7 @@
 </p:sld>
 </file>
 
-<file path=ppt/slides/slide17.xml><?xml version="1.0" encoding="utf-8"?>
+<file path=ppt/slides/slide18.xml><?xml version="1.0" encoding="utf-8"?>
 <p:sld xmlns:a="http://schemas.openxmlformats.org/drawingml/2006/main" xmlns:r="http://schemas.openxmlformats.org/officeDocument/2006/relationships" xmlns:p="http://schemas.openxmlformats.org/presentationml/2006/main">
   <p:cSld>
     <p:spTree>
@@ -25522,7 +26089,7 @@
           <a:p>
             <a:pPr>
               <a:lnSpc>
-                <a:spcPct val="100000"/>
+                <a:spcPct val="150000"/>
               </a:lnSpc>
               <a:buFont typeface="Wingdings" panose="05000000000000000000" pitchFamily="2" charset="2"/>
               <a:buChar char="§"/>
@@ -25531,13 +26098,45 @@
               <a:rPr lang="en-US" sz="2400" dirty="0">
                 <a:latin typeface="+mj-lt"/>
               </a:rPr>
-              <a:t>As a general rule (it can be proven mathematically), the more flexible the method, the more variance and the less bias. And vice versa.</a:t>
+              <a:t>As a general rule (it can be proven mathematically), the </a:t>
+            </a:r>
+            <a:r>
+              <a:rPr lang="en-US" sz="2400" b="1" dirty="0">
+                <a:latin typeface="+mj-lt"/>
+              </a:rPr>
+              <a:t>more flexible </a:t>
+            </a:r>
+            <a:r>
+              <a:rPr lang="en-US" sz="2400" dirty="0">
+                <a:latin typeface="+mj-lt"/>
+              </a:rPr>
+              <a:t>the method, the </a:t>
+            </a:r>
+            <a:r>
+              <a:rPr lang="en-US" sz="2400" dirty="0" err="1"/>
+              <a:t>the</a:t>
+            </a:r>
+            <a:r>
+              <a:rPr lang="en-US" sz="2400" dirty="0"/>
+              <a:t> less bias and the </a:t>
+            </a:r>
+            <a:r>
+              <a:rPr lang="en-US" sz="2400" b="1" dirty="0">
+                <a:latin typeface="+mj-lt"/>
+              </a:rPr>
+              <a:t>more variance</a:t>
+            </a:r>
+            <a:r>
+              <a:rPr lang="en-US" sz="2400" dirty="0">
+                <a:latin typeface="+mj-lt"/>
+              </a:rPr>
+              <a:t>. And vice versa.</a:t>
             </a:r>
           </a:p>
           <a:p>
             <a:pPr>
               <a:lnSpc>
-                <a:spcPct val="100000"/>
+                <a:spcPct val="150000"/>
               </a:lnSpc>
               <a:buFont typeface="Wingdings" panose="05000000000000000000" pitchFamily="2" charset="2"/>
               <a:buChar char="§"/>
@@ -25564,7 +26163,7 @@
           <a:p>
             <a:pPr>
               <a:lnSpc>
-                <a:spcPct val="100000"/>
+                <a:spcPct val="150000"/>
               </a:lnSpc>
               <a:buFont typeface="Wingdings" panose="05000000000000000000" pitchFamily="2" charset="2"/>
               <a:buChar char="§"/>
@@ -25926,7 +26525,7 @@
 </p:sld>
 </file>
 
-<file path=ppt/slides/slide18.xml><?xml version="1.0" encoding="utf-8"?>
+<file path=ppt/slides/slide19.xml><?xml version="1.0" encoding="utf-8"?>
 <p:sld xmlns:a="http://schemas.openxmlformats.org/drawingml/2006/main" xmlns:r="http://schemas.openxmlformats.org/officeDocument/2006/relationships" xmlns:p="http://schemas.openxmlformats.org/presentationml/2006/main">
   <p:cSld>
     <p:spTree>
@@ -26417,7 +27016,748 @@
 </p:sld>
 </file>
 
-<file path=ppt/slides/slide19.xml><?xml version="1.0" encoding="utf-8"?>
+<file path=ppt/slides/slide2.xml><?xml version="1.0" encoding="utf-8"?>
+<p:sld xmlns:a="http://schemas.openxmlformats.org/drawingml/2006/main" xmlns:r="http://schemas.openxmlformats.org/officeDocument/2006/relationships" xmlns:p="http://schemas.openxmlformats.org/presentationml/2006/main">
+  <p:cSld>
+    <p:spTree>
+      <p:nvGrpSpPr>
+        <p:cNvPr id="1" name=""/>
+        <p:cNvGrpSpPr/>
+        <p:nvPr/>
+      </p:nvGrpSpPr>
+      <p:grpSpPr>
+        <a:xfrm>
+          <a:off x="0" y="0"/>
+          <a:ext cx="0" cy="0"/>
+          <a:chOff x="0" y="0"/>
+          <a:chExt cx="0" cy="0"/>
+        </a:xfrm>
+      </p:grpSpPr>
+      <p:sp>
+        <p:nvSpPr>
+          <p:cNvPr id="4" name="Rectángulo 3">
+            <a:extLst>
+              <a:ext uri="{FF2B5EF4-FFF2-40B4-BE49-F238E27FC236}">
+                <a16:creationId xmlns:a16="http://schemas.microsoft.com/office/drawing/2014/main" id="{DAB19569-A64F-C399-1542-792E0E4616AC}"/>
+              </a:ext>
+            </a:extLst>
+          </p:cNvPr>
+          <p:cNvSpPr/>
+          <p:nvPr/>
+        </p:nvSpPr>
+        <p:spPr>
+          <a:xfrm>
+            <a:off x="0" y="0"/>
+            <a:ext cx="374469" cy="6858000"/>
+          </a:xfrm>
+          <a:prstGeom prst="rect">
+            <a:avLst/>
+          </a:prstGeom>
+        </p:spPr>
+        <p:style>
+          <a:lnRef idx="2">
+            <a:schemeClr val="accent2">
+              <a:shade val="50000"/>
+            </a:schemeClr>
+          </a:lnRef>
+          <a:fillRef idx="1">
+            <a:schemeClr val="accent2"/>
+          </a:fillRef>
+          <a:effectRef idx="0">
+            <a:schemeClr val="accent2"/>
+          </a:effectRef>
+          <a:fontRef idx="minor">
+            <a:schemeClr val="lt1"/>
+          </a:fontRef>
+        </p:style>
+        <p:txBody>
+          <a:bodyPr rtlCol="0" anchor="ctr"/>
+          <a:lstStyle/>
+          <a:p>
+            <a:pPr algn="ctr"/>
+            <a:endParaRPr lang="es-ES"/>
+          </a:p>
+        </p:txBody>
+      </p:sp>
+      <p:sp>
+        <p:nvSpPr>
+          <p:cNvPr id="152" name="Content Placeholder 2">
+            <a:extLst>
+              <a:ext uri="{FF2B5EF4-FFF2-40B4-BE49-F238E27FC236}">
+                <a16:creationId xmlns:a16="http://schemas.microsoft.com/office/drawing/2014/main" id="{B7719AE7-5D76-3CA6-C03E-F772C1896EF4}"/>
+              </a:ext>
+            </a:extLst>
+          </p:cNvPr>
+          <p:cNvSpPr txBox="1">
+            <a:spLocks/>
+          </p:cNvSpPr>
+          <p:nvPr/>
+        </p:nvSpPr>
+        <p:spPr>
+          <a:xfrm>
+            <a:off x="1494790" y="1875615"/>
+            <a:ext cx="9859010" cy="4351338"/>
+          </a:xfrm>
+          <a:prstGeom prst="rect">
+            <a:avLst/>
+          </a:prstGeom>
+        </p:spPr>
+        <p:txBody>
+          <a:bodyPr vert="horz" lIns="91440" tIns="45720" rIns="91440" bIns="45720" rtlCol="0">
+            <a:normAutofit fontScale="70000" lnSpcReduction="20000"/>
+          </a:bodyPr>
+          <a:lstStyle>
+            <a:lvl1pPr marL="0" indent="0" algn="ctr" defTabSz="914400" rtl="0" eaLnBrk="1" latinLnBrk="0" hangingPunct="1">
+              <a:lnSpc>
+                <a:spcPct val="90000"/>
+              </a:lnSpc>
+              <a:spcBef>
+                <a:spcPts val="1000"/>
+              </a:spcBef>
+              <a:buFont typeface="Arial" panose="020B0604020202020204" pitchFamily="34" charset="0"/>
+              <a:buNone/>
+              <a:defRPr sz="2400" kern="1200">
+                <a:solidFill>
+                  <a:schemeClr val="tx1"/>
+                </a:solidFill>
+                <a:latin typeface="+mn-lt"/>
+                <a:ea typeface="+mn-ea"/>
+                <a:cs typeface="+mn-cs"/>
+              </a:defRPr>
+            </a:lvl1pPr>
+            <a:lvl2pPr marL="457200" indent="0" algn="ctr" defTabSz="914400" rtl="0" eaLnBrk="1" latinLnBrk="0" hangingPunct="1">
+              <a:lnSpc>
+                <a:spcPct val="90000"/>
+              </a:lnSpc>
+              <a:spcBef>
+                <a:spcPts val="500"/>
+              </a:spcBef>
+              <a:buFont typeface="Arial" panose="020B0604020202020204" pitchFamily="34" charset="0"/>
+              <a:buNone/>
+              <a:defRPr sz="2000" kern="1200">
+                <a:solidFill>
+                  <a:schemeClr val="tx1"/>
+                </a:solidFill>
+                <a:latin typeface="+mn-lt"/>
+                <a:ea typeface="+mn-ea"/>
+                <a:cs typeface="+mn-cs"/>
+              </a:defRPr>
+            </a:lvl2pPr>
+            <a:lvl3pPr marL="914400" indent="0" algn="ctr" defTabSz="914400" rtl="0" eaLnBrk="1" latinLnBrk="0" hangingPunct="1">
+              <a:lnSpc>
+                <a:spcPct val="90000"/>
+              </a:lnSpc>
+              <a:spcBef>
+                <a:spcPts val="500"/>
+              </a:spcBef>
+              <a:buFont typeface="Arial" panose="020B0604020202020204" pitchFamily="34" charset="0"/>
+              <a:buNone/>
+              <a:defRPr sz="1800" kern="1200">
+                <a:solidFill>
+                  <a:schemeClr val="tx1"/>
+                </a:solidFill>
+                <a:latin typeface="+mn-lt"/>
+                <a:ea typeface="+mn-ea"/>
+                <a:cs typeface="+mn-cs"/>
+              </a:defRPr>
+            </a:lvl3pPr>
+            <a:lvl4pPr marL="1371600" indent="0" algn="ctr" defTabSz="914400" rtl="0" eaLnBrk="1" latinLnBrk="0" hangingPunct="1">
+              <a:lnSpc>
+                <a:spcPct val="90000"/>
+              </a:lnSpc>
+              <a:spcBef>
+                <a:spcPts val="500"/>
+              </a:spcBef>
+              <a:buFont typeface="Arial" panose="020B0604020202020204" pitchFamily="34" charset="0"/>
+              <a:buNone/>
+              <a:defRPr sz="1600" kern="1200">
+                <a:solidFill>
+                  <a:schemeClr val="tx1"/>
+                </a:solidFill>
+                <a:latin typeface="+mn-lt"/>
+                <a:ea typeface="+mn-ea"/>
+                <a:cs typeface="+mn-cs"/>
+              </a:defRPr>
+            </a:lvl4pPr>
+            <a:lvl5pPr marL="1828800" indent="0" algn="ctr" defTabSz="914400" rtl="0" eaLnBrk="1" latinLnBrk="0" hangingPunct="1">
+              <a:lnSpc>
+                <a:spcPct val="90000"/>
+              </a:lnSpc>
+              <a:spcBef>
+                <a:spcPts val="500"/>
+              </a:spcBef>
+              <a:buFont typeface="Arial" panose="020B0604020202020204" pitchFamily="34" charset="0"/>
+              <a:buNone/>
+              <a:defRPr sz="1600" kern="1200">
+                <a:solidFill>
+                  <a:schemeClr val="tx1"/>
+                </a:solidFill>
+                <a:latin typeface="+mn-lt"/>
+                <a:ea typeface="+mn-ea"/>
+                <a:cs typeface="+mn-cs"/>
+              </a:defRPr>
+            </a:lvl5pPr>
+            <a:lvl6pPr marL="2286000" indent="0" algn="ctr" defTabSz="914400" rtl="0" eaLnBrk="1" latinLnBrk="0" hangingPunct="1">
+              <a:lnSpc>
+                <a:spcPct val="90000"/>
+              </a:lnSpc>
+              <a:spcBef>
+                <a:spcPts val="500"/>
+              </a:spcBef>
+              <a:buFont typeface="Arial" panose="020B0604020202020204" pitchFamily="34" charset="0"/>
+              <a:buNone/>
+              <a:defRPr sz="1600" kern="1200">
+                <a:solidFill>
+                  <a:schemeClr val="tx1"/>
+                </a:solidFill>
+                <a:latin typeface="+mn-lt"/>
+                <a:ea typeface="+mn-ea"/>
+                <a:cs typeface="+mn-cs"/>
+              </a:defRPr>
+            </a:lvl6pPr>
+            <a:lvl7pPr marL="2743200" indent="0" algn="ctr" defTabSz="914400" rtl="0" eaLnBrk="1" latinLnBrk="0" hangingPunct="1">
+              <a:lnSpc>
+                <a:spcPct val="90000"/>
+              </a:lnSpc>
+              <a:spcBef>
+                <a:spcPts val="500"/>
+              </a:spcBef>
+              <a:buFont typeface="Arial" panose="020B0604020202020204" pitchFamily="34" charset="0"/>
+              <a:buNone/>
+              <a:defRPr sz="1600" kern="1200">
+                <a:solidFill>
+                  <a:schemeClr val="tx1"/>
+                </a:solidFill>
+                <a:latin typeface="+mn-lt"/>
+                <a:ea typeface="+mn-ea"/>
+                <a:cs typeface="+mn-cs"/>
+              </a:defRPr>
+            </a:lvl7pPr>
+            <a:lvl8pPr marL="3200400" indent="0" algn="ctr" defTabSz="914400" rtl="0" eaLnBrk="1" latinLnBrk="0" hangingPunct="1">
+              <a:lnSpc>
+                <a:spcPct val="90000"/>
+              </a:lnSpc>
+              <a:spcBef>
+                <a:spcPts val="500"/>
+              </a:spcBef>
+              <a:buFont typeface="Arial" panose="020B0604020202020204" pitchFamily="34" charset="0"/>
+              <a:buNone/>
+              <a:defRPr sz="1600" kern="1200">
+                <a:solidFill>
+                  <a:schemeClr val="tx1"/>
+                </a:solidFill>
+                <a:latin typeface="+mn-lt"/>
+                <a:ea typeface="+mn-ea"/>
+                <a:cs typeface="+mn-cs"/>
+              </a:defRPr>
+            </a:lvl8pPr>
+            <a:lvl9pPr marL="3657600" indent="0" algn="ctr" defTabSz="914400" rtl="0" eaLnBrk="1" latinLnBrk="0" hangingPunct="1">
+              <a:lnSpc>
+                <a:spcPct val="90000"/>
+              </a:lnSpc>
+              <a:spcBef>
+                <a:spcPts val="500"/>
+              </a:spcBef>
+              <a:buFont typeface="Arial" panose="020B0604020202020204" pitchFamily="34" charset="0"/>
+              <a:buNone/>
+              <a:defRPr sz="1600" kern="1200">
+                <a:solidFill>
+                  <a:schemeClr val="tx1"/>
+                </a:solidFill>
+                <a:latin typeface="+mn-lt"/>
+                <a:ea typeface="+mn-ea"/>
+                <a:cs typeface="+mn-cs"/>
+              </a:defRPr>
+            </a:lvl9pPr>
+          </a:lstStyle>
+          <a:p>
+            <a:pPr marL="457200" indent="-457200" algn="l">
+              <a:lnSpc>
+                <a:spcPct val="150000"/>
+              </a:lnSpc>
+              <a:buFont typeface="Wingdings" panose="05000000000000000000" pitchFamily="2" charset="2"/>
+              <a:buChar char="§"/>
+            </a:pPr>
+            <a:r>
+              <a:rPr lang="en-US" sz="2800" dirty="0">
+                <a:latin typeface="+mj-lt"/>
+                <a:cs typeface="Times New Roman" panose="02020603050405020304" pitchFamily="18" charset="0"/>
+              </a:rPr>
+              <a:t>What &amp; Why</a:t>
+            </a:r>
+          </a:p>
+          <a:p>
+            <a:pPr marL="457200" indent="-457200" algn="l">
+              <a:lnSpc>
+                <a:spcPct val="150000"/>
+              </a:lnSpc>
+              <a:buFont typeface="Wingdings" panose="05000000000000000000" pitchFamily="2" charset="2"/>
+              <a:buChar char="§"/>
+            </a:pPr>
+            <a:r>
+              <a:rPr lang="en-US" sz="2800" dirty="0">
+                <a:latin typeface="+mj-lt"/>
+                <a:cs typeface="Times New Roman" panose="02020603050405020304" pitchFamily="18" charset="0"/>
+              </a:rPr>
+              <a:t>Examples</a:t>
+            </a:r>
+          </a:p>
+          <a:p>
+            <a:pPr marL="457200" indent="-457200" algn="l">
+              <a:lnSpc>
+                <a:spcPct val="150000"/>
+              </a:lnSpc>
+              <a:buFont typeface="Wingdings" panose="05000000000000000000" pitchFamily="2" charset="2"/>
+              <a:buChar char="§"/>
+            </a:pPr>
+            <a:r>
+              <a:rPr lang="en-US" sz="2800" dirty="0">
+                <a:latin typeface="+mj-lt"/>
+                <a:cs typeface="Times New Roman" panose="02020603050405020304" pitchFamily="18" charset="0"/>
+              </a:rPr>
+              <a:t>Types of Machine Learning methods</a:t>
+            </a:r>
+          </a:p>
+          <a:p>
+            <a:pPr marL="457200" indent="-457200" algn="l">
+              <a:lnSpc>
+                <a:spcPct val="150000"/>
+              </a:lnSpc>
+              <a:buFont typeface="Wingdings" panose="05000000000000000000" pitchFamily="2" charset="2"/>
+              <a:buChar char="§"/>
+            </a:pPr>
+            <a:r>
+              <a:rPr lang="en-US" sz="2800" dirty="0">
+                <a:latin typeface="+mj-lt"/>
+                <a:cs typeface="Times New Roman" panose="02020603050405020304" pitchFamily="18" charset="0"/>
+              </a:rPr>
+              <a:t>Training, Testing, and Performance</a:t>
+            </a:r>
+          </a:p>
+          <a:p>
+            <a:pPr marL="457200" indent="-457200" algn="l">
+              <a:lnSpc>
+                <a:spcPct val="150000"/>
+              </a:lnSpc>
+              <a:buFont typeface="Wingdings" panose="05000000000000000000" pitchFamily="2" charset="2"/>
+              <a:buChar char="§"/>
+            </a:pPr>
+            <a:r>
+              <a:rPr lang="en-US" sz="2800" dirty="0">
+                <a:latin typeface="+mj-lt"/>
+                <a:cs typeface="Times New Roman" panose="02020603050405020304" pitchFamily="18" charset="0"/>
+              </a:rPr>
+              <a:t>The Accuracy-Flexibility trade-off</a:t>
+            </a:r>
+          </a:p>
+          <a:p>
+            <a:pPr marL="457200" indent="-457200" algn="l">
+              <a:lnSpc>
+                <a:spcPct val="150000"/>
+              </a:lnSpc>
+              <a:buFont typeface="Wingdings" panose="05000000000000000000" pitchFamily="2" charset="2"/>
+              <a:buChar char="§"/>
+            </a:pPr>
+            <a:r>
+              <a:rPr lang="en-US" sz="2800" dirty="0">
+                <a:latin typeface="+mj-lt"/>
+                <a:cs typeface="Times New Roman" panose="02020603050405020304" pitchFamily="18" charset="0"/>
+              </a:rPr>
+              <a:t>The Bias-Variance trade-off</a:t>
+            </a:r>
+          </a:p>
+          <a:p>
+            <a:pPr marL="457200" indent="-457200" algn="l">
+              <a:lnSpc>
+                <a:spcPct val="150000"/>
+              </a:lnSpc>
+              <a:buFont typeface="Wingdings" panose="05000000000000000000" pitchFamily="2" charset="2"/>
+              <a:buChar char="§"/>
+            </a:pPr>
+            <a:r>
+              <a:rPr lang="en-US" sz="2800" dirty="0">
+                <a:latin typeface="+mj-lt"/>
+                <a:cs typeface="Times New Roman" panose="02020603050405020304" pitchFamily="18" charset="0"/>
+              </a:rPr>
+              <a:t>Main challenges in Machine Learning practice</a:t>
+            </a:r>
+          </a:p>
+          <a:p>
+            <a:pPr marL="457200" indent="-457200" algn="l">
+              <a:lnSpc>
+                <a:spcPct val="150000"/>
+              </a:lnSpc>
+              <a:buFont typeface="Wingdings" panose="05000000000000000000" pitchFamily="2" charset="2"/>
+              <a:buChar char="§"/>
+            </a:pPr>
+            <a:r>
+              <a:rPr lang="en-US" sz="2800" dirty="0">
+                <a:latin typeface="+mj-lt"/>
+                <a:cs typeface="Times New Roman" panose="02020603050405020304" pitchFamily="18" charset="0"/>
+              </a:rPr>
+              <a:t>Take-home messages</a:t>
+            </a:r>
+          </a:p>
+        </p:txBody>
+      </p:sp>
+      <p:sp>
+        <p:nvSpPr>
+          <p:cNvPr id="155" name="Rectangle 143">
+            <a:extLst>
+              <a:ext uri="{FF2B5EF4-FFF2-40B4-BE49-F238E27FC236}">
+                <a16:creationId xmlns:a16="http://schemas.microsoft.com/office/drawing/2014/main" id="{7524B8A9-611C-185B-E9C1-20FB914D23F6}"/>
+              </a:ext>
+            </a:extLst>
+          </p:cNvPr>
+          <p:cNvSpPr>
+            <a:spLocks noChangeArrowheads="1"/>
+          </p:cNvSpPr>
+          <p:nvPr/>
+        </p:nvSpPr>
+        <p:spPr bwMode="auto">
+          <a:xfrm>
+            <a:off x="448342" y="6401243"/>
+            <a:ext cx="5730175" cy="307777"/>
+          </a:xfrm>
+          <a:prstGeom prst="rect">
+            <a:avLst/>
+          </a:prstGeom>
+          <a:noFill/>
+          <a:ln>
+            <a:noFill/>
+          </a:ln>
+          <a:effectLst/>
+          <a:extLst>
+            <a:ext uri="{909E8E84-426E-40DD-AFC4-6F175D3DCCD1}">
+              <a14:hiddenFill xmlns:a14="http://schemas.microsoft.com/office/drawing/2010/main">
+                <a:solidFill>
+                  <a:schemeClr val="accent1"/>
+                </a:solidFill>
+              </a14:hiddenFill>
+            </a:ext>
+            <a:ext uri="{91240B29-F687-4F45-9708-019B960494DF}">
+              <a14:hiddenLine xmlns:a14="http://schemas.microsoft.com/office/drawing/2010/main" w="9525">
+                <a:solidFill>
+                  <a:schemeClr val="tx1"/>
+                </a:solidFill>
+                <a:miter lim="800000"/>
+                <a:headEnd/>
+                <a:tailEnd/>
+              </a14:hiddenLine>
+            </a:ext>
+            <a:ext uri="{AF507438-7753-43E0-B8FC-AC1667EBCBE1}">
+              <a14:hiddenEffects xmlns:a14="http://schemas.microsoft.com/office/drawing/2010/main">
+                <a:effectLst>
+                  <a:outerShdw dist="35921" dir="2700000" algn="ctr" rotWithShape="0">
+                    <a:schemeClr val="bg2"/>
+                  </a:outerShdw>
+                </a:effectLst>
+              </a14:hiddenEffects>
+            </a:ext>
+          </a:extLst>
+        </p:spPr>
+        <p:txBody>
+          <a:bodyPr vert="horz" wrap="square" lIns="91440" tIns="45720" rIns="91440" bIns="45720" numCol="1" anchor="ctr" anchorCtr="0" compatLnSpc="1">
+            <a:prstTxWarp prst="textNoShape">
+              <a:avLst/>
+            </a:prstTxWarp>
+            <a:spAutoFit/>
+          </a:bodyPr>
+          <a:lstStyle/>
+          <a:p>
+            <a:pPr marL="0" marR="0" lvl="0" indent="0" algn="l" defTabSz="914400" rtl="0" eaLnBrk="0" fontAlgn="base" latinLnBrk="0" hangingPunct="0">
+              <a:lnSpc>
+                <a:spcPct val="100000"/>
+              </a:lnSpc>
+              <a:spcBef>
+                <a:spcPct val="0"/>
+              </a:spcBef>
+              <a:spcAft>
+                <a:spcPct val="0"/>
+              </a:spcAft>
+              <a:buClrTx/>
+              <a:buSzTx/>
+              <a:buFontTx/>
+              <a:buNone/>
+              <a:tabLst/>
+            </a:pPr>
+            <a:r>
+              <a:rPr kumimoji="0" lang="en-US" altLang="es-ES" sz="1400" b="0" i="0" u="none" strike="noStrike" cap="none" normalizeH="0" baseline="0" dirty="0">
+                <a:ln>
+                  <a:noFill/>
+                </a:ln>
+                <a:solidFill>
+                  <a:srgbClr val="F4A200"/>
+                </a:solidFill>
+                <a:effectLst/>
+                <a:latin typeface="Arial" panose="020B0604020202020204" pitchFamily="34" charset="0"/>
+                <a:ea typeface="Myriad Pro Light"/>
+                <a:cs typeface="Times New Roman" panose="02020603050405020304" pitchFamily="18" charset="0"/>
+              </a:rPr>
+              <a:t>Master in Quantitative Economic Analysis </a:t>
+            </a:r>
+            <a:r>
+              <a:rPr kumimoji="0" lang="en-US" altLang="es-ES" sz="1400" b="0" i="0" u="none" strike="noStrike" cap="none" normalizeH="0" baseline="0" dirty="0" err="1">
+                <a:ln>
+                  <a:noFill/>
+                </a:ln>
+                <a:solidFill>
+                  <a:srgbClr val="F4A200"/>
+                </a:solidFill>
+                <a:effectLst/>
+                <a:latin typeface="Arial" panose="020B0604020202020204" pitchFamily="34" charset="0"/>
+                <a:ea typeface="Myriad Pro Light"/>
+                <a:cs typeface="Times New Roman" panose="02020603050405020304" pitchFamily="18" charset="0"/>
+              </a:rPr>
+              <a:t>MQuEA</a:t>
+            </a:r>
+            <a:endParaRPr kumimoji="0" lang="es-ES" altLang="es-ES" sz="500" b="0" i="0" u="none" strike="noStrike" cap="none" normalizeH="0" baseline="0" dirty="0">
+              <a:ln>
+                <a:noFill/>
+              </a:ln>
+              <a:solidFill>
+                <a:schemeClr val="tx1"/>
+              </a:solidFill>
+              <a:effectLst/>
+              <a:latin typeface="Arial" panose="020B0604020202020204" pitchFamily="34" charset="0"/>
+            </a:endParaRPr>
+          </a:p>
+        </p:txBody>
+      </p:sp>
+      <p:sp>
+        <p:nvSpPr>
+          <p:cNvPr id="156" name="Rectangle 143">
+            <a:extLst>
+              <a:ext uri="{FF2B5EF4-FFF2-40B4-BE49-F238E27FC236}">
+                <a16:creationId xmlns:a16="http://schemas.microsoft.com/office/drawing/2014/main" id="{8AE2F004-1A39-90D0-AE0D-900815603718}"/>
+              </a:ext>
+            </a:extLst>
+          </p:cNvPr>
+          <p:cNvSpPr>
+            <a:spLocks noChangeArrowheads="1"/>
+          </p:cNvSpPr>
+          <p:nvPr/>
+        </p:nvSpPr>
+        <p:spPr bwMode="auto">
+          <a:xfrm>
+            <a:off x="6186394" y="6411881"/>
+            <a:ext cx="5730175" cy="307777"/>
+          </a:xfrm>
+          <a:prstGeom prst="rect">
+            <a:avLst/>
+          </a:prstGeom>
+          <a:noFill/>
+          <a:ln>
+            <a:noFill/>
+          </a:ln>
+          <a:effectLst/>
+          <a:extLst>
+            <a:ext uri="{909E8E84-426E-40DD-AFC4-6F175D3DCCD1}">
+              <a14:hiddenFill xmlns:a14="http://schemas.microsoft.com/office/drawing/2010/main">
+                <a:solidFill>
+                  <a:schemeClr val="accent1"/>
+                </a:solidFill>
+              </a14:hiddenFill>
+            </a:ext>
+            <a:ext uri="{91240B29-F687-4F45-9708-019B960494DF}">
+              <a14:hiddenLine xmlns:a14="http://schemas.microsoft.com/office/drawing/2010/main" w="9525">
+                <a:solidFill>
+                  <a:schemeClr val="tx1"/>
+                </a:solidFill>
+                <a:miter lim="800000"/>
+                <a:headEnd/>
+                <a:tailEnd/>
+              </a14:hiddenLine>
+            </a:ext>
+            <a:ext uri="{AF507438-7753-43E0-B8FC-AC1667EBCBE1}">
+              <a14:hiddenEffects xmlns:a14="http://schemas.microsoft.com/office/drawing/2010/main">
+                <a:effectLst>
+                  <a:outerShdw dist="35921" dir="2700000" algn="ctr" rotWithShape="0">
+                    <a:schemeClr val="bg2"/>
+                  </a:outerShdw>
+                </a:effectLst>
+              </a14:hiddenEffects>
+            </a:ext>
+          </a:extLst>
+        </p:spPr>
+        <p:txBody>
+          <a:bodyPr vert="horz" wrap="square" lIns="91440" tIns="45720" rIns="91440" bIns="45720" numCol="1" anchor="ctr" anchorCtr="0" compatLnSpc="1">
+            <a:prstTxWarp prst="textNoShape">
+              <a:avLst/>
+            </a:prstTxWarp>
+            <a:spAutoFit/>
+          </a:bodyPr>
+          <a:lstStyle/>
+          <a:p>
+            <a:pPr marL="0" marR="0" lvl="0" indent="0" algn="r" defTabSz="914400" rtl="0" eaLnBrk="0" fontAlgn="base" latinLnBrk="0" hangingPunct="0">
+              <a:lnSpc>
+                <a:spcPct val="100000"/>
+              </a:lnSpc>
+              <a:spcBef>
+                <a:spcPct val="0"/>
+              </a:spcBef>
+              <a:spcAft>
+                <a:spcPct val="0"/>
+              </a:spcAft>
+              <a:buClrTx/>
+              <a:buSzTx/>
+              <a:buFontTx/>
+              <a:buNone/>
+              <a:tabLst/>
+            </a:pPr>
+            <a:r>
+              <a:rPr kumimoji="0" lang="en-US" altLang="es-ES" sz="1400" b="0" i="0" u="none" strike="noStrike" cap="none" normalizeH="0" baseline="0" dirty="0">
+                <a:ln>
+                  <a:noFill/>
+                </a:ln>
+                <a:solidFill>
+                  <a:srgbClr val="F4A200"/>
+                </a:solidFill>
+                <a:effectLst/>
+                <a:latin typeface="Arial" panose="020B0604020202020204" pitchFamily="34" charset="0"/>
+                <a:ea typeface="Myriad Pro Light"/>
+                <a:cs typeface="Times New Roman" panose="02020603050405020304" pitchFamily="18" charset="0"/>
+              </a:rPr>
+              <a:t>Universidad </a:t>
+            </a:r>
+            <a:r>
+              <a:rPr kumimoji="0" lang="en-US" altLang="es-ES" sz="1400" b="0" i="0" u="none" strike="noStrike" cap="none" normalizeH="0" baseline="0" dirty="0" err="1">
+                <a:ln>
+                  <a:noFill/>
+                </a:ln>
+                <a:solidFill>
+                  <a:srgbClr val="F4A200"/>
+                </a:solidFill>
+                <a:effectLst/>
+                <a:latin typeface="Arial" panose="020B0604020202020204" pitchFamily="34" charset="0"/>
+                <a:ea typeface="Myriad Pro Light"/>
+                <a:cs typeface="Times New Roman" panose="02020603050405020304" pitchFamily="18" charset="0"/>
+              </a:rPr>
+              <a:t>Aut</a:t>
+            </a:r>
+            <a:r>
+              <a:rPr lang="en-US" altLang="es-ES" sz="1400" dirty="0" err="1">
+                <a:solidFill>
+                  <a:srgbClr val="F4A200"/>
+                </a:solidFill>
+                <a:latin typeface="Arial" panose="020B0604020202020204" pitchFamily="34" charset="0"/>
+                <a:ea typeface="Myriad Pro Light"/>
+                <a:cs typeface="Times New Roman" panose="02020603050405020304" pitchFamily="18" charset="0"/>
+              </a:rPr>
+              <a:t>ó</a:t>
+            </a:r>
+            <a:r>
+              <a:rPr kumimoji="0" lang="en-US" altLang="es-ES" sz="1400" b="0" i="0" u="none" strike="noStrike" cap="none" normalizeH="0" baseline="0" dirty="0" err="1">
+                <a:ln>
+                  <a:noFill/>
+                </a:ln>
+                <a:solidFill>
+                  <a:srgbClr val="F4A200"/>
+                </a:solidFill>
+                <a:effectLst/>
+                <a:latin typeface="Arial" panose="020B0604020202020204" pitchFamily="34" charset="0"/>
+                <a:ea typeface="Myriad Pro Light"/>
+                <a:cs typeface="Times New Roman" panose="02020603050405020304" pitchFamily="18" charset="0"/>
+              </a:rPr>
+              <a:t>noma</a:t>
+            </a:r>
+            <a:r>
+              <a:rPr kumimoji="0" lang="en-US" altLang="es-ES" sz="1400" b="0" i="0" u="none" strike="noStrike" cap="none" normalizeH="0" baseline="0" dirty="0">
+                <a:ln>
+                  <a:noFill/>
+                </a:ln>
+                <a:solidFill>
+                  <a:srgbClr val="F4A200"/>
+                </a:solidFill>
+                <a:effectLst/>
+                <a:latin typeface="Arial" panose="020B0604020202020204" pitchFamily="34" charset="0"/>
+                <a:ea typeface="Myriad Pro Light"/>
+                <a:cs typeface="Times New Roman" panose="02020603050405020304" pitchFamily="18" charset="0"/>
+              </a:rPr>
+              <a:t> de Madrid</a:t>
+            </a:r>
+            <a:endParaRPr kumimoji="0" lang="es-ES" altLang="es-ES" sz="500" b="0" i="0" u="none" strike="noStrike" cap="none" normalizeH="0" baseline="0" dirty="0">
+              <a:ln>
+                <a:noFill/>
+              </a:ln>
+              <a:solidFill>
+                <a:schemeClr val="tx1"/>
+              </a:solidFill>
+              <a:effectLst/>
+              <a:latin typeface="Arial" panose="020B0604020202020204" pitchFamily="34" charset="0"/>
+            </a:endParaRPr>
+          </a:p>
+        </p:txBody>
+      </p:sp>
+      <p:sp>
+        <p:nvSpPr>
+          <p:cNvPr id="2" name="Title 1">
+            <a:extLst>
+              <a:ext uri="{FF2B5EF4-FFF2-40B4-BE49-F238E27FC236}">
+                <a16:creationId xmlns:a16="http://schemas.microsoft.com/office/drawing/2014/main" id="{6F9A13AB-C9B4-5D9D-DE92-0AD86D5BF818}"/>
+              </a:ext>
+            </a:extLst>
+          </p:cNvPr>
+          <p:cNvSpPr txBox="1">
+            <a:spLocks/>
+          </p:cNvSpPr>
+          <p:nvPr/>
+        </p:nvSpPr>
+        <p:spPr>
+          <a:xfrm>
+            <a:off x="990600" y="517525"/>
+            <a:ext cx="10515600" cy="1325563"/>
+          </a:xfrm>
+          <a:prstGeom prst="rect">
+            <a:avLst/>
+          </a:prstGeom>
+        </p:spPr>
+        <p:txBody>
+          <a:bodyPr vert="horz" lIns="91440" tIns="45720" rIns="91440" bIns="45720" rtlCol="0" anchor="ctr">
+            <a:normAutofit/>
+          </a:bodyPr>
+          <a:lstStyle>
+            <a:lvl1pPr algn="ctr" defTabSz="914400" rtl="0" eaLnBrk="1" latinLnBrk="0" hangingPunct="1">
+              <a:lnSpc>
+                <a:spcPct val="90000"/>
+              </a:lnSpc>
+              <a:spcBef>
+                <a:spcPct val="0"/>
+              </a:spcBef>
+              <a:buNone/>
+              <a:defRPr sz="6000" kern="1200">
+                <a:solidFill>
+                  <a:schemeClr val="tx1"/>
+                </a:solidFill>
+                <a:latin typeface="+mj-lt"/>
+                <a:ea typeface="+mj-ea"/>
+                <a:cs typeface="+mj-cs"/>
+              </a:defRPr>
+            </a:lvl1pPr>
+          </a:lstStyle>
+          <a:p>
+            <a:pPr algn="l"/>
+            <a:r>
+              <a:rPr lang="en-US" sz="4000" dirty="0"/>
+              <a:t>Outline</a:t>
+            </a:r>
+          </a:p>
+        </p:txBody>
+      </p:sp>
+    </p:spTree>
+    <p:extLst>
+      <p:ext uri="{BB962C8B-B14F-4D97-AF65-F5344CB8AC3E}">
+        <p14:creationId xmlns:p14="http://schemas.microsoft.com/office/powerpoint/2010/main" val="3676436470"/>
+      </p:ext>
+    </p:extLst>
+  </p:cSld>
+  <p:clrMapOvr>
+    <a:masterClrMapping/>
+  </p:clrMapOvr>
+</p:sld>
+</file>
+
+<file path=ppt/slides/slide20.xml><?xml version="1.0" encoding="utf-8"?>
 <p:sld xmlns:a="http://schemas.openxmlformats.org/drawingml/2006/main" xmlns:r="http://schemas.openxmlformats.org/officeDocument/2006/relationships" xmlns:p="http://schemas.openxmlformats.org/presentationml/2006/main">
   <p:cSld>
     <p:spTree>
@@ -26585,6 +27925,21 @@
                 <a:latin typeface="+mj-lt"/>
               </a:rPr>
               <a:t>Irrelevant features</a:t>
+            </a:r>
+          </a:p>
+          <a:p>
+            <a:pPr>
+              <a:lnSpc>
+                <a:spcPct val="100000"/>
+              </a:lnSpc>
+              <a:buFont typeface="Wingdings" panose="05000000000000000000" pitchFamily="2" charset="2"/>
+              <a:buChar char="§"/>
+            </a:pPr>
+            <a:r>
+              <a:rPr lang="en-US" sz="2400" dirty="0">
+                <a:latin typeface="+mj-lt"/>
+              </a:rPr>
+              <a:t>Model selection</a:t>
             </a:r>
           </a:p>
           <a:p>
@@ -27266,6 +28621,55 @@
                       </p:childTnLst>
                     </p:cTn>
                   </p:par>
+                  <p:par>
+                    <p:cTn id="27" fill="hold">
+                      <p:stCondLst>
+                        <p:cond delay="indefinite"/>
+                      </p:stCondLst>
+                      <p:childTnLst>
+                        <p:par>
+                          <p:cTn id="28" fill="hold">
+                            <p:stCondLst>
+                              <p:cond delay="0"/>
+                            </p:stCondLst>
+                            <p:childTnLst>
+                              <p:par>
+                                <p:cTn id="29" presetID="1" presetClass="entr" presetSubtype="0" fill="hold" grpId="0" nodeType="clickEffect">
+                                  <p:stCondLst>
+                                    <p:cond delay="0"/>
+                                  </p:stCondLst>
+                                  <p:childTnLst>
+                                    <p:set>
+                                      <p:cBhvr>
+                                        <p:cTn id="30" dur="1" fill="hold">
+                                          <p:stCondLst>
+                                            <p:cond delay="0"/>
+                                          </p:stCondLst>
+                                        </p:cTn>
+                                        <p:tgtEl>
+                                          <p:spTgt spid="3">
+                                            <p:txEl>
+                                              <p:pRg st="6" end="6"/>
+                                            </p:txEl>
+                                          </p:spTgt>
+                                        </p:tgtEl>
+                                        <p:attrNameLst>
+                                          <p:attrName>style.visibility</p:attrName>
+                                        </p:attrNameLst>
+                                      </p:cBhvr>
+                                      <p:to>
+                                        <p:strVal val="visible"/>
+                                      </p:to>
+                                    </p:set>
+                                  </p:childTnLst>
+                                </p:cTn>
+                              </p:par>
+                            </p:childTnLst>
+                          </p:cTn>
+                        </p:par>
+                      </p:childTnLst>
+                    </p:cTn>
+                  </p:par>
                 </p:childTnLst>
               </p:cTn>
               <p:prevCondLst>
@@ -27294,748 +28698,7 @@
 </p:sld>
 </file>
 
-<file path=ppt/slides/slide2.xml><?xml version="1.0" encoding="utf-8"?>
-<p:sld xmlns:a="http://schemas.openxmlformats.org/drawingml/2006/main" xmlns:r="http://schemas.openxmlformats.org/officeDocument/2006/relationships" xmlns:p="http://schemas.openxmlformats.org/presentationml/2006/main">
-  <p:cSld>
-    <p:spTree>
-      <p:nvGrpSpPr>
-        <p:cNvPr id="1" name=""/>
-        <p:cNvGrpSpPr/>
-        <p:nvPr/>
-      </p:nvGrpSpPr>
-      <p:grpSpPr>
-        <a:xfrm>
-          <a:off x="0" y="0"/>
-          <a:ext cx="0" cy="0"/>
-          <a:chOff x="0" y="0"/>
-          <a:chExt cx="0" cy="0"/>
-        </a:xfrm>
-      </p:grpSpPr>
-      <p:sp>
-        <p:nvSpPr>
-          <p:cNvPr id="4" name="Rectángulo 3">
-            <a:extLst>
-              <a:ext uri="{FF2B5EF4-FFF2-40B4-BE49-F238E27FC236}">
-                <a16:creationId xmlns:a16="http://schemas.microsoft.com/office/drawing/2014/main" id="{DAB19569-A64F-C399-1542-792E0E4616AC}"/>
-              </a:ext>
-            </a:extLst>
-          </p:cNvPr>
-          <p:cNvSpPr/>
-          <p:nvPr/>
-        </p:nvSpPr>
-        <p:spPr>
-          <a:xfrm>
-            <a:off x="0" y="0"/>
-            <a:ext cx="374469" cy="6858000"/>
-          </a:xfrm>
-          <a:prstGeom prst="rect">
-            <a:avLst/>
-          </a:prstGeom>
-        </p:spPr>
-        <p:style>
-          <a:lnRef idx="2">
-            <a:schemeClr val="accent2">
-              <a:shade val="50000"/>
-            </a:schemeClr>
-          </a:lnRef>
-          <a:fillRef idx="1">
-            <a:schemeClr val="accent2"/>
-          </a:fillRef>
-          <a:effectRef idx="0">
-            <a:schemeClr val="accent2"/>
-          </a:effectRef>
-          <a:fontRef idx="minor">
-            <a:schemeClr val="lt1"/>
-          </a:fontRef>
-        </p:style>
-        <p:txBody>
-          <a:bodyPr rtlCol="0" anchor="ctr"/>
-          <a:lstStyle/>
-          <a:p>
-            <a:pPr algn="ctr"/>
-            <a:endParaRPr lang="es-ES"/>
-          </a:p>
-        </p:txBody>
-      </p:sp>
-      <p:sp>
-        <p:nvSpPr>
-          <p:cNvPr id="152" name="Content Placeholder 2">
-            <a:extLst>
-              <a:ext uri="{FF2B5EF4-FFF2-40B4-BE49-F238E27FC236}">
-                <a16:creationId xmlns:a16="http://schemas.microsoft.com/office/drawing/2014/main" id="{B7719AE7-5D76-3CA6-C03E-F772C1896EF4}"/>
-              </a:ext>
-            </a:extLst>
-          </p:cNvPr>
-          <p:cNvSpPr txBox="1">
-            <a:spLocks/>
-          </p:cNvSpPr>
-          <p:nvPr/>
-        </p:nvSpPr>
-        <p:spPr>
-          <a:xfrm>
-            <a:off x="1494790" y="1875615"/>
-            <a:ext cx="9859010" cy="4351338"/>
-          </a:xfrm>
-          <a:prstGeom prst="rect">
-            <a:avLst/>
-          </a:prstGeom>
-        </p:spPr>
-        <p:txBody>
-          <a:bodyPr vert="horz" lIns="91440" tIns="45720" rIns="91440" bIns="45720" rtlCol="0">
-            <a:normAutofit fontScale="70000" lnSpcReduction="20000"/>
-          </a:bodyPr>
-          <a:lstStyle>
-            <a:lvl1pPr marL="0" indent="0" algn="ctr" defTabSz="914400" rtl="0" eaLnBrk="1" latinLnBrk="0" hangingPunct="1">
-              <a:lnSpc>
-                <a:spcPct val="90000"/>
-              </a:lnSpc>
-              <a:spcBef>
-                <a:spcPts val="1000"/>
-              </a:spcBef>
-              <a:buFont typeface="Arial" panose="020B0604020202020204" pitchFamily="34" charset="0"/>
-              <a:buNone/>
-              <a:defRPr sz="2400" kern="1200">
-                <a:solidFill>
-                  <a:schemeClr val="tx1"/>
-                </a:solidFill>
-                <a:latin typeface="+mn-lt"/>
-                <a:ea typeface="+mn-ea"/>
-                <a:cs typeface="+mn-cs"/>
-              </a:defRPr>
-            </a:lvl1pPr>
-            <a:lvl2pPr marL="457200" indent="0" algn="ctr" defTabSz="914400" rtl="0" eaLnBrk="1" latinLnBrk="0" hangingPunct="1">
-              <a:lnSpc>
-                <a:spcPct val="90000"/>
-              </a:lnSpc>
-              <a:spcBef>
-                <a:spcPts val="500"/>
-              </a:spcBef>
-              <a:buFont typeface="Arial" panose="020B0604020202020204" pitchFamily="34" charset="0"/>
-              <a:buNone/>
-              <a:defRPr sz="2000" kern="1200">
-                <a:solidFill>
-                  <a:schemeClr val="tx1"/>
-                </a:solidFill>
-                <a:latin typeface="+mn-lt"/>
-                <a:ea typeface="+mn-ea"/>
-                <a:cs typeface="+mn-cs"/>
-              </a:defRPr>
-            </a:lvl2pPr>
-            <a:lvl3pPr marL="914400" indent="0" algn="ctr" defTabSz="914400" rtl="0" eaLnBrk="1" latinLnBrk="0" hangingPunct="1">
-              <a:lnSpc>
-                <a:spcPct val="90000"/>
-              </a:lnSpc>
-              <a:spcBef>
-                <a:spcPts val="500"/>
-              </a:spcBef>
-              <a:buFont typeface="Arial" panose="020B0604020202020204" pitchFamily="34" charset="0"/>
-              <a:buNone/>
-              <a:defRPr sz="1800" kern="1200">
-                <a:solidFill>
-                  <a:schemeClr val="tx1"/>
-                </a:solidFill>
-                <a:latin typeface="+mn-lt"/>
-                <a:ea typeface="+mn-ea"/>
-                <a:cs typeface="+mn-cs"/>
-              </a:defRPr>
-            </a:lvl3pPr>
-            <a:lvl4pPr marL="1371600" indent="0" algn="ctr" defTabSz="914400" rtl="0" eaLnBrk="1" latinLnBrk="0" hangingPunct="1">
-              <a:lnSpc>
-                <a:spcPct val="90000"/>
-              </a:lnSpc>
-              <a:spcBef>
-                <a:spcPts val="500"/>
-              </a:spcBef>
-              <a:buFont typeface="Arial" panose="020B0604020202020204" pitchFamily="34" charset="0"/>
-              <a:buNone/>
-              <a:defRPr sz="1600" kern="1200">
-                <a:solidFill>
-                  <a:schemeClr val="tx1"/>
-                </a:solidFill>
-                <a:latin typeface="+mn-lt"/>
-                <a:ea typeface="+mn-ea"/>
-                <a:cs typeface="+mn-cs"/>
-              </a:defRPr>
-            </a:lvl4pPr>
-            <a:lvl5pPr marL="1828800" indent="0" algn="ctr" defTabSz="914400" rtl="0" eaLnBrk="1" latinLnBrk="0" hangingPunct="1">
-              <a:lnSpc>
-                <a:spcPct val="90000"/>
-              </a:lnSpc>
-              <a:spcBef>
-                <a:spcPts val="500"/>
-              </a:spcBef>
-              <a:buFont typeface="Arial" panose="020B0604020202020204" pitchFamily="34" charset="0"/>
-              <a:buNone/>
-              <a:defRPr sz="1600" kern="1200">
-                <a:solidFill>
-                  <a:schemeClr val="tx1"/>
-                </a:solidFill>
-                <a:latin typeface="+mn-lt"/>
-                <a:ea typeface="+mn-ea"/>
-                <a:cs typeface="+mn-cs"/>
-              </a:defRPr>
-            </a:lvl5pPr>
-            <a:lvl6pPr marL="2286000" indent="0" algn="ctr" defTabSz="914400" rtl="0" eaLnBrk="1" latinLnBrk="0" hangingPunct="1">
-              <a:lnSpc>
-                <a:spcPct val="90000"/>
-              </a:lnSpc>
-              <a:spcBef>
-                <a:spcPts val="500"/>
-              </a:spcBef>
-              <a:buFont typeface="Arial" panose="020B0604020202020204" pitchFamily="34" charset="0"/>
-              <a:buNone/>
-              <a:defRPr sz="1600" kern="1200">
-                <a:solidFill>
-                  <a:schemeClr val="tx1"/>
-                </a:solidFill>
-                <a:latin typeface="+mn-lt"/>
-                <a:ea typeface="+mn-ea"/>
-                <a:cs typeface="+mn-cs"/>
-              </a:defRPr>
-            </a:lvl6pPr>
-            <a:lvl7pPr marL="2743200" indent="0" algn="ctr" defTabSz="914400" rtl="0" eaLnBrk="1" latinLnBrk="0" hangingPunct="1">
-              <a:lnSpc>
-                <a:spcPct val="90000"/>
-              </a:lnSpc>
-              <a:spcBef>
-                <a:spcPts val="500"/>
-              </a:spcBef>
-              <a:buFont typeface="Arial" panose="020B0604020202020204" pitchFamily="34" charset="0"/>
-              <a:buNone/>
-              <a:defRPr sz="1600" kern="1200">
-                <a:solidFill>
-                  <a:schemeClr val="tx1"/>
-                </a:solidFill>
-                <a:latin typeface="+mn-lt"/>
-                <a:ea typeface="+mn-ea"/>
-                <a:cs typeface="+mn-cs"/>
-              </a:defRPr>
-            </a:lvl7pPr>
-            <a:lvl8pPr marL="3200400" indent="0" algn="ctr" defTabSz="914400" rtl="0" eaLnBrk="1" latinLnBrk="0" hangingPunct="1">
-              <a:lnSpc>
-                <a:spcPct val="90000"/>
-              </a:lnSpc>
-              <a:spcBef>
-                <a:spcPts val="500"/>
-              </a:spcBef>
-              <a:buFont typeface="Arial" panose="020B0604020202020204" pitchFamily="34" charset="0"/>
-              <a:buNone/>
-              <a:defRPr sz="1600" kern="1200">
-                <a:solidFill>
-                  <a:schemeClr val="tx1"/>
-                </a:solidFill>
-                <a:latin typeface="+mn-lt"/>
-                <a:ea typeface="+mn-ea"/>
-                <a:cs typeface="+mn-cs"/>
-              </a:defRPr>
-            </a:lvl8pPr>
-            <a:lvl9pPr marL="3657600" indent="0" algn="ctr" defTabSz="914400" rtl="0" eaLnBrk="1" latinLnBrk="0" hangingPunct="1">
-              <a:lnSpc>
-                <a:spcPct val="90000"/>
-              </a:lnSpc>
-              <a:spcBef>
-                <a:spcPts val="500"/>
-              </a:spcBef>
-              <a:buFont typeface="Arial" panose="020B0604020202020204" pitchFamily="34" charset="0"/>
-              <a:buNone/>
-              <a:defRPr sz="1600" kern="1200">
-                <a:solidFill>
-                  <a:schemeClr val="tx1"/>
-                </a:solidFill>
-                <a:latin typeface="+mn-lt"/>
-                <a:ea typeface="+mn-ea"/>
-                <a:cs typeface="+mn-cs"/>
-              </a:defRPr>
-            </a:lvl9pPr>
-          </a:lstStyle>
-          <a:p>
-            <a:pPr marL="457200" indent="-457200" algn="l">
-              <a:lnSpc>
-                <a:spcPct val="150000"/>
-              </a:lnSpc>
-              <a:buFont typeface="Wingdings" panose="05000000000000000000" pitchFamily="2" charset="2"/>
-              <a:buChar char="§"/>
-            </a:pPr>
-            <a:r>
-              <a:rPr lang="en-US" sz="2800" dirty="0">
-                <a:latin typeface="+mj-lt"/>
-                <a:cs typeface="Times New Roman" panose="02020603050405020304" pitchFamily="18" charset="0"/>
-              </a:rPr>
-              <a:t>What &amp; Why</a:t>
-            </a:r>
-          </a:p>
-          <a:p>
-            <a:pPr marL="457200" indent="-457200" algn="l">
-              <a:lnSpc>
-                <a:spcPct val="150000"/>
-              </a:lnSpc>
-              <a:buFont typeface="Wingdings" panose="05000000000000000000" pitchFamily="2" charset="2"/>
-              <a:buChar char="§"/>
-            </a:pPr>
-            <a:r>
-              <a:rPr lang="en-US" sz="2800" dirty="0">
-                <a:latin typeface="+mj-lt"/>
-                <a:cs typeface="Times New Roman" panose="02020603050405020304" pitchFamily="18" charset="0"/>
-              </a:rPr>
-              <a:t>Examples</a:t>
-            </a:r>
-          </a:p>
-          <a:p>
-            <a:pPr marL="457200" indent="-457200" algn="l">
-              <a:lnSpc>
-                <a:spcPct val="150000"/>
-              </a:lnSpc>
-              <a:buFont typeface="Wingdings" panose="05000000000000000000" pitchFamily="2" charset="2"/>
-              <a:buChar char="§"/>
-            </a:pPr>
-            <a:r>
-              <a:rPr lang="en-US" sz="2800" dirty="0">
-                <a:latin typeface="+mj-lt"/>
-                <a:cs typeface="Times New Roman" panose="02020603050405020304" pitchFamily="18" charset="0"/>
-              </a:rPr>
-              <a:t>Types of Machine Learning methods</a:t>
-            </a:r>
-          </a:p>
-          <a:p>
-            <a:pPr marL="457200" indent="-457200" algn="l">
-              <a:lnSpc>
-                <a:spcPct val="150000"/>
-              </a:lnSpc>
-              <a:buFont typeface="Wingdings" panose="05000000000000000000" pitchFamily="2" charset="2"/>
-              <a:buChar char="§"/>
-            </a:pPr>
-            <a:r>
-              <a:rPr lang="en-US" sz="2800" dirty="0">
-                <a:latin typeface="+mj-lt"/>
-                <a:cs typeface="Times New Roman" panose="02020603050405020304" pitchFamily="18" charset="0"/>
-              </a:rPr>
-              <a:t>Training, Testing, and Performance</a:t>
-            </a:r>
-          </a:p>
-          <a:p>
-            <a:pPr marL="457200" indent="-457200" algn="l">
-              <a:lnSpc>
-                <a:spcPct val="150000"/>
-              </a:lnSpc>
-              <a:buFont typeface="Wingdings" panose="05000000000000000000" pitchFamily="2" charset="2"/>
-              <a:buChar char="§"/>
-            </a:pPr>
-            <a:r>
-              <a:rPr lang="en-US" sz="2800" dirty="0">
-                <a:latin typeface="+mj-lt"/>
-                <a:cs typeface="Times New Roman" panose="02020603050405020304" pitchFamily="18" charset="0"/>
-              </a:rPr>
-              <a:t>The Accuracy-Flexibility trade-off</a:t>
-            </a:r>
-          </a:p>
-          <a:p>
-            <a:pPr marL="457200" indent="-457200" algn="l">
-              <a:lnSpc>
-                <a:spcPct val="150000"/>
-              </a:lnSpc>
-              <a:buFont typeface="Wingdings" panose="05000000000000000000" pitchFamily="2" charset="2"/>
-              <a:buChar char="§"/>
-            </a:pPr>
-            <a:r>
-              <a:rPr lang="en-US" sz="2800" dirty="0">
-                <a:latin typeface="+mj-lt"/>
-                <a:cs typeface="Times New Roman" panose="02020603050405020304" pitchFamily="18" charset="0"/>
-              </a:rPr>
-              <a:t>The Bias-Variance trade-off</a:t>
-            </a:r>
-          </a:p>
-          <a:p>
-            <a:pPr marL="457200" indent="-457200" algn="l">
-              <a:lnSpc>
-                <a:spcPct val="150000"/>
-              </a:lnSpc>
-              <a:buFont typeface="Wingdings" panose="05000000000000000000" pitchFamily="2" charset="2"/>
-              <a:buChar char="§"/>
-            </a:pPr>
-            <a:r>
-              <a:rPr lang="en-US" sz="2800" dirty="0">
-                <a:latin typeface="+mj-lt"/>
-                <a:cs typeface="Times New Roman" panose="02020603050405020304" pitchFamily="18" charset="0"/>
-              </a:rPr>
-              <a:t>Main challenges in Machine Learning practice</a:t>
-            </a:r>
-          </a:p>
-          <a:p>
-            <a:pPr marL="457200" indent="-457200" algn="l">
-              <a:lnSpc>
-                <a:spcPct val="150000"/>
-              </a:lnSpc>
-              <a:buFont typeface="Wingdings" panose="05000000000000000000" pitchFamily="2" charset="2"/>
-              <a:buChar char="§"/>
-            </a:pPr>
-            <a:r>
-              <a:rPr lang="en-US" sz="2800" dirty="0">
-                <a:latin typeface="+mj-lt"/>
-                <a:cs typeface="Times New Roman" panose="02020603050405020304" pitchFamily="18" charset="0"/>
-              </a:rPr>
-              <a:t>Take-home messages</a:t>
-            </a:r>
-          </a:p>
-        </p:txBody>
-      </p:sp>
-      <p:sp>
-        <p:nvSpPr>
-          <p:cNvPr id="155" name="Rectangle 143">
-            <a:extLst>
-              <a:ext uri="{FF2B5EF4-FFF2-40B4-BE49-F238E27FC236}">
-                <a16:creationId xmlns:a16="http://schemas.microsoft.com/office/drawing/2014/main" id="{7524B8A9-611C-185B-E9C1-20FB914D23F6}"/>
-              </a:ext>
-            </a:extLst>
-          </p:cNvPr>
-          <p:cNvSpPr>
-            <a:spLocks noChangeArrowheads="1"/>
-          </p:cNvSpPr>
-          <p:nvPr/>
-        </p:nvSpPr>
-        <p:spPr bwMode="auto">
-          <a:xfrm>
-            <a:off x="448342" y="6401243"/>
-            <a:ext cx="5730175" cy="307777"/>
-          </a:xfrm>
-          <a:prstGeom prst="rect">
-            <a:avLst/>
-          </a:prstGeom>
-          <a:noFill/>
-          <a:ln>
-            <a:noFill/>
-          </a:ln>
-          <a:effectLst/>
-          <a:extLst>
-            <a:ext uri="{909E8E84-426E-40DD-AFC4-6F175D3DCCD1}">
-              <a14:hiddenFill xmlns:a14="http://schemas.microsoft.com/office/drawing/2010/main">
-                <a:solidFill>
-                  <a:schemeClr val="accent1"/>
-                </a:solidFill>
-              </a14:hiddenFill>
-            </a:ext>
-            <a:ext uri="{91240B29-F687-4F45-9708-019B960494DF}">
-              <a14:hiddenLine xmlns:a14="http://schemas.microsoft.com/office/drawing/2010/main" w="9525">
-                <a:solidFill>
-                  <a:schemeClr val="tx1"/>
-                </a:solidFill>
-                <a:miter lim="800000"/>
-                <a:headEnd/>
-                <a:tailEnd/>
-              </a14:hiddenLine>
-            </a:ext>
-            <a:ext uri="{AF507438-7753-43E0-B8FC-AC1667EBCBE1}">
-              <a14:hiddenEffects xmlns:a14="http://schemas.microsoft.com/office/drawing/2010/main">
-                <a:effectLst>
-                  <a:outerShdw dist="35921" dir="2700000" algn="ctr" rotWithShape="0">
-                    <a:schemeClr val="bg2"/>
-                  </a:outerShdw>
-                </a:effectLst>
-              </a14:hiddenEffects>
-            </a:ext>
-          </a:extLst>
-        </p:spPr>
-        <p:txBody>
-          <a:bodyPr vert="horz" wrap="square" lIns="91440" tIns="45720" rIns="91440" bIns="45720" numCol="1" anchor="ctr" anchorCtr="0" compatLnSpc="1">
-            <a:prstTxWarp prst="textNoShape">
-              <a:avLst/>
-            </a:prstTxWarp>
-            <a:spAutoFit/>
-          </a:bodyPr>
-          <a:lstStyle/>
-          <a:p>
-            <a:pPr marL="0" marR="0" lvl="0" indent="0" algn="l" defTabSz="914400" rtl="0" eaLnBrk="0" fontAlgn="base" latinLnBrk="0" hangingPunct="0">
-              <a:lnSpc>
-                <a:spcPct val="100000"/>
-              </a:lnSpc>
-              <a:spcBef>
-                <a:spcPct val="0"/>
-              </a:spcBef>
-              <a:spcAft>
-                <a:spcPct val="0"/>
-              </a:spcAft>
-              <a:buClrTx/>
-              <a:buSzTx/>
-              <a:buFontTx/>
-              <a:buNone/>
-              <a:tabLst/>
-            </a:pPr>
-            <a:r>
-              <a:rPr kumimoji="0" lang="en-US" altLang="es-ES" sz="1400" b="0" i="0" u="none" strike="noStrike" cap="none" normalizeH="0" baseline="0" dirty="0">
-                <a:ln>
-                  <a:noFill/>
-                </a:ln>
-                <a:solidFill>
-                  <a:srgbClr val="F4A200"/>
-                </a:solidFill>
-                <a:effectLst/>
-                <a:latin typeface="Arial" panose="020B0604020202020204" pitchFamily="34" charset="0"/>
-                <a:ea typeface="Myriad Pro Light"/>
-                <a:cs typeface="Times New Roman" panose="02020603050405020304" pitchFamily="18" charset="0"/>
-              </a:rPr>
-              <a:t>Master in Quantitative Economic Analysis </a:t>
-            </a:r>
-            <a:r>
-              <a:rPr kumimoji="0" lang="en-US" altLang="es-ES" sz="1400" b="0" i="0" u="none" strike="noStrike" cap="none" normalizeH="0" baseline="0" dirty="0" err="1">
-                <a:ln>
-                  <a:noFill/>
-                </a:ln>
-                <a:solidFill>
-                  <a:srgbClr val="F4A200"/>
-                </a:solidFill>
-                <a:effectLst/>
-                <a:latin typeface="Arial" panose="020B0604020202020204" pitchFamily="34" charset="0"/>
-                <a:ea typeface="Myriad Pro Light"/>
-                <a:cs typeface="Times New Roman" panose="02020603050405020304" pitchFamily="18" charset="0"/>
-              </a:rPr>
-              <a:t>MQuEA</a:t>
-            </a:r>
-            <a:endParaRPr kumimoji="0" lang="es-ES" altLang="es-ES" sz="500" b="0" i="0" u="none" strike="noStrike" cap="none" normalizeH="0" baseline="0" dirty="0">
-              <a:ln>
-                <a:noFill/>
-              </a:ln>
-              <a:solidFill>
-                <a:schemeClr val="tx1"/>
-              </a:solidFill>
-              <a:effectLst/>
-              <a:latin typeface="Arial" panose="020B0604020202020204" pitchFamily="34" charset="0"/>
-            </a:endParaRPr>
-          </a:p>
-        </p:txBody>
-      </p:sp>
-      <p:sp>
-        <p:nvSpPr>
-          <p:cNvPr id="156" name="Rectangle 143">
-            <a:extLst>
-              <a:ext uri="{FF2B5EF4-FFF2-40B4-BE49-F238E27FC236}">
-                <a16:creationId xmlns:a16="http://schemas.microsoft.com/office/drawing/2014/main" id="{8AE2F004-1A39-90D0-AE0D-900815603718}"/>
-              </a:ext>
-            </a:extLst>
-          </p:cNvPr>
-          <p:cNvSpPr>
-            <a:spLocks noChangeArrowheads="1"/>
-          </p:cNvSpPr>
-          <p:nvPr/>
-        </p:nvSpPr>
-        <p:spPr bwMode="auto">
-          <a:xfrm>
-            <a:off x="6186394" y="6411881"/>
-            <a:ext cx="5730175" cy="307777"/>
-          </a:xfrm>
-          <a:prstGeom prst="rect">
-            <a:avLst/>
-          </a:prstGeom>
-          <a:noFill/>
-          <a:ln>
-            <a:noFill/>
-          </a:ln>
-          <a:effectLst/>
-          <a:extLst>
-            <a:ext uri="{909E8E84-426E-40DD-AFC4-6F175D3DCCD1}">
-              <a14:hiddenFill xmlns:a14="http://schemas.microsoft.com/office/drawing/2010/main">
-                <a:solidFill>
-                  <a:schemeClr val="accent1"/>
-                </a:solidFill>
-              </a14:hiddenFill>
-            </a:ext>
-            <a:ext uri="{91240B29-F687-4F45-9708-019B960494DF}">
-              <a14:hiddenLine xmlns:a14="http://schemas.microsoft.com/office/drawing/2010/main" w="9525">
-                <a:solidFill>
-                  <a:schemeClr val="tx1"/>
-                </a:solidFill>
-                <a:miter lim="800000"/>
-                <a:headEnd/>
-                <a:tailEnd/>
-              </a14:hiddenLine>
-            </a:ext>
-            <a:ext uri="{AF507438-7753-43E0-B8FC-AC1667EBCBE1}">
-              <a14:hiddenEffects xmlns:a14="http://schemas.microsoft.com/office/drawing/2010/main">
-                <a:effectLst>
-                  <a:outerShdw dist="35921" dir="2700000" algn="ctr" rotWithShape="0">
-                    <a:schemeClr val="bg2"/>
-                  </a:outerShdw>
-                </a:effectLst>
-              </a14:hiddenEffects>
-            </a:ext>
-          </a:extLst>
-        </p:spPr>
-        <p:txBody>
-          <a:bodyPr vert="horz" wrap="square" lIns="91440" tIns="45720" rIns="91440" bIns="45720" numCol="1" anchor="ctr" anchorCtr="0" compatLnSpc="1">
-            <a:prstTxWarp prst="textNoShape">
-              <a:avLst/>
-            </a:prstTxWarp>
-            <a:spAutoFit/>
-          </a:bodyPr>
-          <a:lstStyle/>
-          <a:p>
-            <a:pPr marL="0" marR="0" lvl="0" indent="0" algn="r" defTabSz="914400" rtl="0" eaLnBrk="0" fontAlgn="base" latinLnBrk="0" hangingPunct="0">
-              <a:lnSpc>
-                <a:spcPct val="100000"/>
-              </a:lnSpc>
-              <a:spcBef>
-                <a:spcPct val="0"/>
-              </a:spcBef>
-              <a:spcAft>
-                <a:spcPct val="0"/>
-              </a:spcAft>
-              <a:buClrTx/>
-              <a:buSzTx/>
-              <a:buFontTx/>
-              <a:buNone/>
-              <a:tabLst/>
-            </a:pPr>
-            <a:r>
-              <a:rPr kumimoji="0" lang="en-US" altLang="es-ES" sz="1400" b="0" i="0" u="none" strike="noStrike" cap="none" normalizeH="0" baseline="0" dirty="0">
-                <a:ln>
-                  <a:noFill/>
-                </a:ln>
-                <a:solidFill>
-                  <a:srgbClr val="F4A200"/>
-                </a:solidFill>
-                <a:effectLst/>
-                <a:latin typeface="Arial" panose="020B0604020202020204" pitchFamily="34" charset="0"/>
-                <a:ea typeface="Myriad Pro Light"/>
-                <a:cs typeface="Times New Roman" panose="02020603050405020304" pitchFamily="18" charset="0"/>
-              </a:rPr>
-              <a:t>Universidad </a:t>
-            </a:r>
-            <a:r>
-              <a:rPr kumimoji="0" lang="en-US" altLang="es-ES" sz="1400" b="0" i="0" u="none" strike="noStrike" cap="none" normalizeH="0" baseline="0" dirty="0" err="1">
-                <a:ln>
-                  <a:noFill/>
-                </a:ln>
-                <a:solidFill>
-                  <a:srgbClr val="F4A200"/>
-                </a:solidFill>
-                <a:effectLst/>
-                <a:latin typeface="Arial" panose="020B0604020202020204" pitchFamily="34" charset="0"/>
-                <a:ea typeface="Myriad Pro Light"/>
-                <a:cs typeface="Times New Roman" panose="02020603050405020304" pitchFamily="18" charset="0"/>
-              </a:rPr>
-              <a:t>Aut</a:t>
-            </a:r>
-            <a:r>
-              <a:rPr lang="en-US" altLang="es-ES" sz="1400" dirty="0" err="1">
-                <a:solidFill>
-                  <a:srgbClr val="F4A200"/>
-                </a:solidFill>
-                <a:latin typeface="Arial" panose="020B0604020202020204" pitchFamily="34" charset="0"/>
-                <a:ea typeface="Myriad Pro Light"/>
-                <a:cs typeface="Times New Roman" panose="02020603050405020304" pitchFamily="18" charset="0"/>
-              </a:rPr>
-              <a:t>ó</a:t>
-            </a:r>
-            <a:r>
-              <a:rPr kumimoji="0" lang="en-US" altLang="es-ES" sz="1400" b="0" i="0" u="none" strike="noStrike" cap="none" normalizeH="0" baseline="0" dirty="0" err="1">
-                <a:ln>
-                  <a:noFill/>
-                </a:ln>
-                <a:solidFill>
-                  <a:srgbClr val="F4A200"/>
-                </a:solidFill>
-                <a:effectLst/>
-                <a:latin typeface="Arial" panose="020B0604020202020204" pitchFamily="34" charset="0"/>
-                <a:ea typeface="Myriad Pro Light"/>
-                <a:cs typeface="Times New Roman" panose="02020603050405020304" pitchFamily="18" charset="0"/>
-              </a:rPr>
-              <a:t>noma</a:t>
-            </a:r>
-            <a:r>
-              <a:rPr kumimoji="0" lang="en-US" altLang="es-ES" sz="1400" b="0" i="0" u="none" strike="noStrike" cap="none" normalizeH="0" baseline="0" dirty="0">
-                <a:ln>
-                  <a:noFill/>
-                </a:ln>
-                <a:solidFill>
-                  <a:srgbClr val="F4A200"/>
-                </a:solidFill>
-                <a:effectLst/>
-                <a:latin typeface="Arial" panose="020B0604020202020204" pitchFamily="34" charset="0"/>
-                <a:ea typeface="Myriad Pro Light"/>
-                <a:cs typeface="Times New Roman" panose="02020603050405020304" pitchFamily="18" charset="0"/>
-              </a:rPr>
-              <a:t> de Madrid</a:t>
-            </a:r>
-            <a:endParaRPr kumimoji="0" lang="es-ES" altLang="es-ES" sz="500" b="0" i="0" u="none" strike="noStrike" cap="none" normalizeH="0" baseline="0" dirty="0">
-              <a:ln>
-                <a:noFill/>
-              </a:ln>
-              <a:solidFill>
-                <a:schemeClr val="tx1"/>
-              </a:solidFill>
-              <a:effectLst/>
-              <a:latin typeface="Arial" panose="020B0604020202020204" pitchFamily="34" charset="0"/>
-            </a:endParaRPr>
-          </a:p>
-        </p:txBody>
-      </p:sp>
-      <p:sp>
-        <p:nvSpPr>
-          <p:cNvPr id="2" name="Title 1">
-            <a:extLst>
-              <a:ext uri="{FF2B5EF4-FFF2-40B4-BE49-F238E27FC236}">
-                <a16:creationId xmlns:a16="http://schemas.microsoft.com/office/drawing/2014/main" id="{6F9A13AB-C9B4-5D9D-DE92-0AD86D5BF818}"/>
-              </a:ext>
-            </a:extLst>
-          </p:cNvPr>
-          <p:cNvSpPr txBox="1">
-            <a:spLocks/>
-          </p:cNvSpPr>
-          <p:nvPr/>
-        </p:nvSpPr>
-        <p:spPr>
-          <a:xfrm>
-            <a:off x="990600" y="517525"/>
-            <a:ext cx="10515600" cy="1325563"/>
-          </a:xfrm>
-          <a:prstGeom prst="rect">
-            <a:avLst/>
-          </a:prstGeom>
-        </p:spPr>
-        <p:txBody>
-          <a:bodyPr vert="horz" lIns="91440" tIns="45720" rIns="91440" bIns="45720" rtlCol="0" anchor="ctr">
-            <a:normAutofit/>
-          </a:bodyPr>
-          <a:lstStyle>
-            <a:lvl1pPr algn="ctr" defTabSz="914400" rtl="0" eaLnBrk="1" latinLnBrk="0" hangingPunct="1">
-              <a:lnSpc>
-                <a:spcPct val="90000"/>
-              </a:lnSpc>
-              <a:spcBef>
-                <a:spcPct val="0"/>
-              </a:spcBef>
-              <a:buNone/>
-              <a:defRPr sz="6000" kern="1200">
-                <a:solidFill>
-                  <a:schemeClr val="tx1"/>
-                </a:solidFill>
-                <a:latin typeface="+mj-lt"/>
-                <a:ea typeface="+mj-ea"/>
-                <a:cs typeface="+mj-cs"/>
-              </a:defRPr>
-            </a:lvl1pPr>
-          </a:lstStyle>
-          <a:p>
-            <a:pPr algn="l"/>
-            <a:r>
-              <a:rPr lang="en-US" sz="4000" dirty="0"/>
-              <a:t>Outline</a:t>
-            </a:r>
-          </a:p>
-        </p:txBody>
-      </p:sp>
-    </p:spTree>
-    <p:extLst>
-      <p:ext uri="{BB962C8B-B14F-4D97-AF65-F5344CB8AC3E}">
-        <p14:creationId xmlns:p14="http://schemas.microsoft.com/office/powerpoint/2010/main" val="3676436470"/>
-      </p:ext>
-    </p:extLst>
-  </p:cSld>
-  <p:clrMapOvr>
-    <a:masterClrMapping/>
-  </p:clrMapOvr>
-</p:sld>
-</file>
-
-<file path=ppt/slides/slide20.xml><?xml version="1.0" encoding="utf-8"?>
+<file path=ppt/slides/slide21.xml><?xml version="1.0" encoding="utf-8"?>
 <p:sld xmlns:a="http://schemas.openxmlformats.org/drawingml/2006/main" xmlns:r="http://schemas.openxmlformats.org/officeDocument/2006/relationships" xmlns:p="http://schemas.openxmlformats.org/presentationml/2006/main">
   <p:cSld>
     <p:spTree>
@@ -28110,7 +28773,7 @@
         <p:spPr/>
         <p:txBody>
           <a:bodyPr>
-            <a:normAutofit fontScale="92500" lnSpcReduction="20000"/>
+            <a:normAutofit/>
           </a:bodyPr>
           <a:lstStyle/>
           <a:p>
@@ -28152,7 +28815,7 @@
               <a:rPr lang="en-US" sz="2000" dirty="0">
                 <a:latin typeface="+mj-lt"/>
               </a:rPr>
-              <a:t>There are many different ML systems: supervised or not, batch or online, instance-based or model-based</a:t>
+              <a:t>There are many different ML systems: supervised or not, batch or online…</a:t>
             </a:r>
           </a:p>
           <a:p>
@@ -28173,7 +28836,19 @@
               <a:rPr lang="en-US" sz="2000" dirty="0">
                 <a:latin typeface="+mj-lt"/>
               </a:rPr>
-              <a:t> models have parameters that cannot be learnt from the data. These methods need to be </a:t>
+              <a:t> models have parameters that cannot be learnt from the </a:t>
+            </a:r>
+            <a:r>
+              <a:rPr lang="en-US" sz="2000">
+                <a:latin typeface="+mj-lt"/>
+              </a:rPr>
+              <a:t>data and need </a:t>
+            </a:r>
+            <a:r>
+              <a:rPr lang="en-US" sz="2000" dirty="0">
+                <a:latin typeface="+mj-lt"/>
+              </a:rPr>
+              <a:t>to be </a:t>
             </a:r>
             <a:r>
               <a:rPr lang="en-US" sz="2000" b="1" dirty="0">
@@ -28209,19 +28884,7 @@
               <a:rPr lang="en-US" sz="2000" dirty="0">
                 <a:latin typeface="+mj-lt"/>
               </a:rPr>
-              <a:t>. They are evaluated </a:t>
-            </a:r>
-            <a:r>
-              <a:rPr lang="en-US" sz="2000">
-                <a:latin typeface="+mj-lt"/>
-              </a:rPr>
-              <a:t>on “new” </a:t>
-            </a:r>
-            <a:r>
-              <a:rPr lang="en-US" sz="2000" dirty="0">
-                <a:latin typeface="+mj-lt"/>
-              </a:rPr>
-              <a:t>data, a </a:t>
+              <a:t>. They are evaluated on “new” data, a </a:t>
             </a:r>
             <a:r>
               <a:rPr lang="en-US" sz="2000" b="1" dirty="0">
@@ -28293,7 +28956,7 @@
               <a:rPr lang="en-US" sz="2000" dirty="0">
                 <a:latin typeface="+mj-lt"/>
               </a:rPr>
-              <a:t>in a model is a bad thing, but one cannot reduce it without increasing its </a:t>
+              <a:t>in a model is bad, but one cannot reduce it without increasing its </a:t>
             </a:r>
             <a:r>
               <a:rPr lang="en-US" sz="2000" b="1" dirty="0">
